--- a/Final-Presentation.pptx
+++ b/Final-Presentation.pptx
@@ -10,6 +10,10 @@
     <p:sldId id="258" r:id="rId4"/>
     <p:sldId id="259" r:id="rId5"/>
     <p:sldId id="260" r:id="rId6"/>
+    <p:sldId id="261" r:id="rId7"/>
+    <p:sldId id="262" r:id="rId8"/>
+    <p:sldId id="263" r:id="rId9"/>
+    <p:sldId id="264" r:id="rId10"/>
   </p:sldIdLst>
   <p:sldSz cx="12192000" cy="6858000"/>
   <p:notesSz cx="6858000" cy="9144000"/>
@@ -3851,6 +3855,359 @@
 </p:sld>
 </file>
 
+<file path=ppt/slides/slide6.xml><?xml version="1.0" encoding="utf-8"?>
+<p:sld xmlns:a="http://schemas.openxmlformats.org/drawingml/2006/main" xmlns:r="http://schemas.openxmlformats.org/officeDocument/2006/relationships" xmlns:p="http://schemas.openxmlformats.org/presentationml/2006/main">
+  <p:cSld>
+    <p:spTree>
+      <p:nvGrpSpPr>
+        <p:cNvPr id="1" name=""/>
+        <p:cNvGrpSpPr/>
+        <p:nvPr/>
+      </p:nvGrpSpPr>
+      <p:grpSpPr>
+        <a:xfrm>
+          <a:off x="0" y="0"/>
+          <a:ext cx="0" cy="0"/>
+          <a:chOff x="0" y="0"/>
+          <a:chExt cx="0" cy="0"/>
+        </a:xfrm>
+      </p:grpSpPr>
+      <p:sp>
+        <p:nvSpPr>
+          <p:cNvPr id="2" name="Title 1">
+            <a:extLst>
+              <a:ext uri="{FF2B5EF4-FFF2-40B4-BE49-F238E27FC236}">
+                <a16:creationId xmlns:a16="http://schemas.microsoft.com/office/drawing/2014/main" id="{8CD52B8C-8426-49F4-AC7E-2AD658F417D4}"/>
+              </a:ext>
+            </a:extLst>
+          </p:cNvPr>
+          <p:cNvSpPr>
+            <a:spLocks noGrp="1"/>
+          </p:cNvSpPr>
+          <p:nvPr>
+            <p:ph type="title"/>
+          </p:nvPr>
+        </p:nvSpPr>
+        <p:spPr/>
+        <p:txBody>
+          <a:bodyPr/>
+          <a:lstStyle/>
+          <a:p>
+            <a:r>
+              <a:rPr lang="en-US" dirty="0"/>
+              <a:t>Project Infrastructure &amp; Software</a:t>
+            </a:r>
+          </a:p>
+        </p:txBody>
+      </p:sp>
+      <p:sp>
+        <p:nvSpPr>
+          <p:cNvPr id="3" name="Content Placeholder 2">
+            <a:extLst>
+              <a:ext uri="{FF2B5EF4-FFF2-40B4-BE49-F238E27FC236}">
+                <a16:creationId xmlns:a16="http://schemas.microsoft.com/office/drawing/2014/main" id="{F23B04C2-FDA2-46BA-BB36-6F4198252183}"/>
+              </a:ext>
+            </a:extLst>
+          </p:cNvPr>
+          <p:cNvSpPr>
+            <a:spLocks noGrp="1"/>
+          </p:cNvSpPr>
+          <p:nvPr>
+            <p:ph idx="1"/>
+          </p:nvPr>
+        </p:nvSpPr>
+        <p:spPr/>
+        <p:txBody>
+          <a:bodyPr/>
+          <a:lstStyle/>
+          <a:p>
+            <a:r>
+              <a:rPr lang="en-US" dirty="0"/>
+              <a:t>Presented by Brian Bauer</a:t>
+            </a:r>
+          </a:p>
+        </p:txBody>
+      </p:sp>
+    </p:spTree>
+    <p:extLst>
+      <p:ext uri="{BB962C8B-B14F-4D97-AF65-F5344CB8AC3E}">
+        <p14:creationId xmlns:p14="http://schemas.microsoft.com/office/powerpoint/2010/main" val="4064571591"/>
+      </p:ext>
+    </p:extLst>
+  </p:cSld>
+  <p:clrMapOvr>
+    <a:masterClrMapping/>
+  </p:clrMapOvr>
+</p:sld>
+</file>
+
+<file path=ppt/slides/slide7.xml><?xml version="1.0" encoding="utf-8"?>
+<p:sld xmlns:a="http://schemas.openxmlformats.org/drawingml/2006/main" xmlns:r="http://schemas.openxmlformats.org/officeDocument/2006/relationships" xmlns:p="http://schemas.openxmlformats.org/presentationml/2006/main">
+  <p:cSld>
+    <p:spTree>
+      <p:nvGrpSpPr>
+        <p:cNvPr id="1" name=""/>
+        <p:cNvGrpSpPr/>
+        <p:nvPr/>
+      </p:nvGrpSpPr>
+      <p:grpSpPr>
+        <a:xfrm>
+          <a:off x="0" y="0"/>
+          <a:ext cx="0" cy="0"/>
+          <a:chOff x="0" y="0"/>
+          <a:chExt cx="0" cy="0"/>
+        </a:xfrm>
+      </p:grpSpPr>
+      <p:sp>
+        <p:nvSpPr>
+          <p:cNvPr id="2" name="Title 1">
+            <a:extLst>
+              <a:ext uri="{FF2B5EF4-FFF2-40B4-BE49-F238E27FC236}">
+                <a16:creationId xmlns:a16="http://schemas.microsoft.com/office/drawing/2014/main" id="{F056D9A3-CD65-4467-85AD-5DF093AEA280}"/>
+              </a:ext>
+            </a:extLst>
+          </p:cNvPr>
+          <p:cNvSpPr>
+            <a:spLocks noGrp="1"/>
+          </p:cNvSpPr>
+          <p:nvPr>
+            <p:ph type="title"/>
+          </p:nvPr>
+        </p:nvSpPr>
+        <p:spPr/>
+        <p:txBody>
+          <a:bodyPr/>
+          <a:lstStyle/>
+          <a:p>
+            <a:r>
+              <a:rPr lang="en-US" dirty="0"/>
+              <a:t>Graphics and Visual Modeling</a:t>
+            </a:r>
+          </a:p>
+        </p:txBody>
+      </p:sp>
+      <p:sp>
+        <p:nvSpPr>
+          <p:cNvPr id="3" name="Content Placeholder 2">
+            <a:extLst>
+              <a:ext uri="{FF2B5EF4-FFF2-40B4-BE49-F238E27FC236}">
+                <a16:creationId xmlns:a16="http://schemas.microsoft.com/office/drawing/2014/main" id="{D00F8DF1-D999-4029-8302-EF8F881F0CE7}"/>
+              </a:ext>
+            </a:extLst>
+          </p:cNvPr>
+          <p:cNvSpPr>
+            <a:spLocks noGrp="1"/>
+          </p:cNvSpPr>
+          <p:nvPr>
+            <p:ph idx="1"/>
+          </p:nvPr>
+        </p:nvSpPr>
+        <p:spPr/>
+        <p:txBody>
+          <a:bodyPr/>
+          <a:lstStyle/>
+          <a:p>
+            <a:r>
+              <a:rPr lang="en-US" dirty="0"/>
+              <a:t>Presented by David </a:t>
+            </a:r>
+            <a:r>
+              <a:rPr lang="en-US" dirty="0" err="1"/>
+              <a:t>Kalbfleisch</a:t>
+            </a:r>
+            <a:endParaRPr lang="en-US" dirty="0"/>
+          </a:p>
+        </p:txBody>
+      </p:sp>
+    </p:spTree>
+    <p:extLst>
+      <p:ext uri="{BB962C8B-B14F-4D97-AF65-F5344CB8AC3E}">
+        <p14:creationId xmlns:p14="http://schemas.microsoft.com/office/powerpoint/2010/main" val="2958682530"/>
+      </p:ext>
+    </p:extLst>
+  </p:cSld>
+  <p:clrMapOvr>
+    <a:masterClrMapping/>
+  </p:clrMapOvr>
+</p:sld>
+</file>
+
+<file path=ppt/slides/slide8.xml><?xml version="1.0" encoding="utf-8"?>
+<p:sld xmlns:a="http://schemas.openxmlformats.org/drawingml/2006/main" xmlns:r="http://schemas.openxmlformats.org/officeDocument/2006/relationships" xmlns:p="http://schemas.openxmlformats.org/presentationml/2006/main">
+  <p:cSld>
+    <p:spTree>
+      <p:nvGrpSpPr>
+        <p:cNvPr id="1" name=""/>
+        <p:cNvGrpSpPr/>
+        <p:nvPr/>
+      </p:nvGrpSpPr>
+      <p:grpSpPr>
+        <a:xfrm>
+          <a:off x="0" y="0"/>
+          <a:ext cx="0" cy="0"/>
+          <a:chOff x="0" y="0"/>
+          <a:chExt cx="0" cy="0"/>
+        </a:xfrm>
+      </p:grpSpPr>
+      <p:sp>
+        <p:nvSpPr>
+          <p:cNvPr id="2" name="Title 1">
+            <a:extLst>
+              <a:ext uri="{FF2B5EF4-FFF2-40B4-BE49-F238E27FC236}">
+                <a16:creationId xmlns:a16="http://schemas.microsoft.com/office/drawing/2014/main" id="{CC7E67D0-9E63-4B6D-B9FD-7C06AE2549D3}"/>
+              </a:ext>
+            </a:extLst>
+          </p:cNvPr>
+          <p:cNvSpPr>
+            <a:spLocks noGrp="1"/>
+          </p:cNvSpPr>
+          <p:nvPr>
+            <p:ph type="title"/>
+          </p:nvPr>
+        </p:nvSpPr>
+        <p:spPr/>
+        <p:txBody>
+          <a:bodyPr/>
+          <a:lstStyle/>
+          <a:p>
+            <a:r>
+              <a:rPr lang="en-US" dirty="0"/>
+              <a:t>Neural Network Development and Training</a:t>
+            </a:r>
+          </a:p>
+        </p:txBody>
+      </p:sp>
+      <p:sp>
+        <p:nvSpPr>
+          <p:cNvPr id="3" name="Content Placeholder 2">
+            <a:extLst>
+              <a:ext uri="{FF2B5EF4-FFF2-40B4-BE49-F238E27FC236}">
+                <a16:creationId xmlns:a16="http://schemas.microsoft.com/office/drawing/2014/main" id="{B8574E30-43AE-4F08-BB4A-46A7F6FC0A95}"/>
+              </a:ext>
+            </a:extLst>
+          </p:cNvPr>
+          <p:cNvSpPr>
+            <a:spLocks noGrp="1"/>
+          </p:cNvSpPr>
+          <p:nvPr>
+            <p:ph idx="1"/>
+          </p:nvPr>
+        </p:nvSpPr>
+        <p:spPr/>
+        <p:txBody>
+          <a:bodyPr/>
+          <a:lstStyle/>
+          <a:p>
+            <a:r>
+              <a:rPr lang="en-US" dirty="0"/>
+              <a:t>Presented by Iman Ismail</a:t>
+            </a:r>
+          </a:p>
+        </p:txBody>
+      </p:sp>
+    </p:spTree>
+    <p:extLst>
+      <p:ext uri="{BB962C8B-B14F-4D97-AF65-F5344CB8AC3E}">
+        <p14:creationId xmlns:p14="http://schemas.microsoft.com/office/powerpoint/2010/main" val="2380164208"/>
+      </p:ext>
+    </p:extLst>
+  </p:cSld>
+  <p:clrMapOvr>
+    <a:masterClrMapping/>
+  </p:clrMapOvr>
+</p:sld>
+</file>
+
+<file path=ppt/slides/slide9.xml><?xml version="1.0" encoding="utf-8"?>
+<p:sld xmlns:a="http://schemas.openxmlformats.org/drawingml/2006/main" xmlns:r="http://schemas.openxmlformats.org/officeDocument/2006/relationships" xmlns:p="http://schemas.openxmlformats.org/presentationml/2006/main">
+  <p:cSld>
+    <p:spTree>
+      <p:nvGrpSpPr>
+        <p:cNvPr id="1" name=""/>
+        <p:cNvGrpSpPr/>
+        <p:nvPr/>
+      </p:nvGrpSpPr>
+      <p:grpSpPr>
+        <a:xfrm>
+          <a:off x="0" y="0"/>
+          <a:ext cx="0" cy="0"/>
+          <a:chOff x="0" y="0"/>
+          <a:chExt cx="0" cy="0"/>
+        </a:xfrm>
+      </p:grpSpPr>
+      <p:sp>
+        <p:nvSpPr>
+          <p:cNvPr id="2" name="Title 1">
+            <a:extLst>
+              <a:ext uri="{FF2B5EF4-FFF2-40B4-BE49-F238E27FC236}">
+                <a16:creationId xmlns:a16="http://schemas.microsoft.com/office/drawing/2014/main" id="{1A1B75CE-271D-48FB-82BD-3BADE505A17C}"/>
+              </a:ext>
+            </a:extLst>
+          </p:cNvPr>
+          <p:cNvSpPr>
+            <a:spLocks noGrp="1"/>
+          </p:cNvSpPr>
+          <p:nvPr>
+            <p:ph type="title"/>
+          </p:nvPr>
+        </p:nvSpPr>
+        <p:spPr/>
+        <p:txBody>
+          <a:bodyPr/>
+          <a:lstStyle/>
+          <a:p>
+            <a:r>
+              <a:rPr lang="en-US" dirty="0"/>
+              <a:t>Conclusion and Final Remarks</a:t>
+            </a:r>
+          </a:p>
+        </p:txBody>
+      </p:sp>
+      <p:sp>
+        <p:nvSpPr>
+          <p:cNvPr id="3" name="Content Placeholder 2">
+            <a:extLst>
+              <a:ext uri="{FF2B5EF4-FFF2-40B4-BE49-F238E27FC236}">
+                <a16:creationId xmlns:a16="http://schemas.microsoft.com/office/drawing/2014/main" id="{66D0B58D-CDE0-4DEF-9CDF-DF1D09AAB349}"/>
+              </a:ext>
+            </a:extLst>
+          </p:cNvPr>
+          <p:cNvSpPr>
+            <a:spLocks noGrp="1"/>
+          </p:cNvSpPr>
+          <p:nvPr>
+            <p:ph idx="1"/>
+          </p:nvPr>
+        </p:nvSpPr>
+        <p:spPr/>
+        <p:txBody>
+          <a:bodyPr/>
+          <a:lstStyle/>
+          <a:p>
+            <a:r>
+              <a:rPr lang="en-US" dirty="0"/>
+              <a:t>Demo </a:t>
+            </a:r>
+            <a:r>
+              <a:rPr lang="en-US"/>
+              <a:t>to follow</a:t>
+            </a:r>
+          </a:p>
+        </p:txBody>
+      </p:sp>
+    </p:spTree>
+    <p:extLst>
+      <p:ext uri="{BB962C8B-B14F-4D97-AF65-F5344CB8AC3E}">
+        <p14:creationId xmlns:p14="http://schemas.microsoft.com/office/powerpoint/2010/main" val="2558569331"/>
+      </p:ext>
+    </p:extLst>
+  </p:cSld>
+  <p:clrMapOvr>
+    <a:masterClrMapping/>
+  </p:clrMapOvr>
+</p:sld>
+</file>
+
 <file path=ppt/theme/theme1.xml><?xml version="1.0" encoding="utf-8"?>
 <a:theme xmlns:a="http://schemas.openxmlformats.org/drawingml/2006/main" name="Office Theme">
   <a:themeElements>

--- a/Final-Presentation.pptx
+++ b/Final-Presentation.pptx
@@ -4,16 +4,21 @@
   <p:sldMasterIdLst>
     <p:sldMasterId id="2147483648" r:id="rId1"/>
   </p:sldMasterIdLst>
+  <p:notesMasterIdLst>
+    <p:notesMasterId r:id="rId13"/>
+  </p:notesMasterIdLst>
   <p:sldIdLst>
     <p:sldId id="256" r:id="rId2"/>
     <p:sldId id="257" r:id="rId3"/>
     <p:sldId id="258" r:id="rId4"/>
     <p:sldId id="259" r:id="rId5"/>
     <p:sldId id="260" r:id="rId6"/>
-    <p:sldId id="261" r:id="rId7"/>
+    <p:sldId id="265" r:id="rId7"/>
     <p:sldId id="262" r:id="rId8"/>
     <p:sldId id="263" r:id="rId9"/>
-    <p:sldId id="264" r:id="rId10"/>
+    <p:sldId id="261" r:id="rId10"/>
+    <p:sldId id="266" r:id="rId11"/>
+    <p:sldId id="264" r:id="rId12"/>
   </p:sldIdLst>
   <p:sldSz cx="12192000" cy="6858000"/>
   <p:notesSz cx="6858000" cy="9144000"/>
@@ -112,7 +117,540 @@
       </a:defRPr>
     </a:lvl9pPr>
   </p:defaultTextStyle>
+  <p:extLst>
+    <p:ext uri="{EFAFB233-063F-42B5-8137-9DF3F51BA10A}">
+      <p15:sldGuideLst xmlns:p15="http://schemas.microsoft.com/office/powerpoint/2012/main"/>
+    </p:ext>
+  </p:extLst>
 </p:presentation>
+</file>
+
+<file path=ppt/notesMasters/notesMaster1.xml><?xml version="1.0" encoding="utf-8"?>
+<p:notesMaster xmlns:a="http://schemas.openxmlformats.org/drawingml/2006/main" xmlns:r="http://schemas.openxmlformats.org/officeDocument/2006/relationships" xmlns:p="http://schemas.openxmlformats.org/presentationml/2006/main">
+  <p:cSld>
+    <p:bg>
+      <p:bgRef idx="1001">
+        <a:schemeClr val="bg1"/>
+      </p:bgRef>
+    </p:bg>
+    <p:spTree>
+      <p:nvGrpSpPr>
+        <p:cNvPr id="1" name=""/>
+        <p:cNvGrpSpPr/>
+        <p:nvPr/>
+      </p:nvGrpSpPr>
+      <p:grpSpPr>
+        <a:xfrm>
+          <a:off x="0" y="0"/>
+          <a:ext cx="0" cy="0"/>
+          <a:chOff x="0" y="0"/>
+          <a:chExt cx="0" cy="0"/>
+        </a:xfrm>
+      </p:grpSpPr>
+      <p:sp>
+        <p:nvSpPr>
+          <p:cNvPr id="2" name="Header Placeholder 1"/>
+          <p:cNvSpPr>
+            <a:spLocks noGrp="1"/>
+          </p:cNvSpPr>
+          <p:nvPr>
+            <p:ph type="hdr" sz="quarter"/>
+          </p:nvPr>
+        </p:nvSpPr>
+        <p:spPr>
+          <a:xfrm>
+            <a:off x="0" y="0"/>
+            <a:ext cx="2971800" cy="458788"/>
+          </a:xfrm>
+          <a:prstGeom prst="rect">
+            <a:avLst/>
+          </a:prstGeom>
+        </p:spPr>
+        <p:txBody>
+          <a:bodyPr vert="horz" lIns="91440" tIns="45720" rIns="91440" bIns="45720" rtlCol="0"/>
+          <a:lstStyle>
+            <a:lvl1pPr algn="l">
+              <a:defRPr sz="1200"/>
+            </a:lvl1pPr>
+          </a:lstStyle>
+          <a:p>
+            <a:endParaRPr lang="en-US"/>
+          </a:p>
+        </p:txBody>
+      </p:sp>
+      <p:sp>
+        <p:nvSpPr>
+          <p:cNvPr id="3" name="Date Placeholder 2"/>
+          <p:cNvSpPr>
+            <a:spLocks noGrp="1"/>
+          </p:cNvSpPr>
+          <p:nvPr>
+            <p:ph type="dt" idx="1"/>
+          </p:nvPr>
+        </p:nvSpPr>
+        <p:spPr>
+          <a:xfrm>
+            <a:off x="3884613" y="0"/>
+            <a:ext cx="2971800" cy="458788"/>
+          </a:xfrm>
+          <a:prstGeom prst="rect">
+            <a:avLst/>
+          </a:prstGeom>
+        </p:spPr>
+        <p:txBody>
+          <a:bodyPr vert="horz" lIns="91440" tIns="45720" rIns="91440" bIns="45720" rtlCol="0"/>
+          <a:lstStyle>
+            <a:lvl1pPr algn="r">
+              <a:defRPr sz="1200"/>
+            </a:lvl1pPr>
+          </a:lstStyle>
+          <a:p>
+            <a:fld id="{D4AF793E-324A-4EE1-8CCE-F34286378BCB}" type="datetimeFigureOut">
+              <a:rPr lang="en-US" smtClean="0"/>
+              <a:t>5/9/2021</a:t>
+            </a:fld>
+            <a:endParaRPr lang="en-US"/>
+          </a:p>
+        </p:txBody>
+      </p:sp>
+      <p:sp>
+        <p:nvSpPr>
+          <p:cNvPr id="4" name="Slide Image Placeholder 3"/>
+          <p:cNvSpPr>
+            <a:spLocks noGrp="1" noRot="1" noChangeAspect="1"/>
+          </p:cNvSpPr>
+          <p:nvPr>
+            <p:ph type="sldImg" idx="2"/>
+          </p:nvPr>
+        </p:nvSpPr>
+        <p:spPr>
+          <a:xfrm>
+            <a:off x="685800" y="1143000"/>
+            <a:ext cx="5486400" cy="3086100"/>
+          </a:xfrm>
+          <a:prstGeom prst="rect">
+            <a:avLst/>
+          </a:prstGeom>
+          <a:noFill/>
+          <a:ln w="12700">
+            <a:solidFill>
+              <a:prstClr val="black"/>
+            </a:solidFill>
+          </a:ln>
+        </p:spPr>
+        <p:txBody>
+          <a:bodyPr vert="horz" lIns="91440" tIns="45720" rIns="91440" bIns="45720" rtlCol="0" anchor="ctr"/>
+          <a:lstStyle/>
+          <a:p>
+            <a:endParaRPr lang="en-US"/>
+          </a:p>
+        </p:txBody>
+      </p:sp>
+      <p:sp>
+        <p:nvSpPr>
+          <p:cNvPr id="5" name="Notes Placeholder 4"/>
+          <p:cNvSpPr>
+            <a:spLocks noGrp="1"/>
+          </p:cNvSpPr>
+          <p:nvPr>
+            <p:ph type="body" sz="quarter" idx="3"/>
+          </p:nvPr>
+        </p:nvSpPr>
+        <p:spPr>
+          <a:xfrm>
+            <a:off x="685800" y="4400550"/>
+            <a:ext cx="5486400" cy="3600450"/>
+          </a:xfrm>
+          <a:prstGeom prst="rect">
+            <a:avLst/>
+          </a:prstGeom>
+        </p:spPr>
+        <p:txBody>
+          <a:bodyPr vert="horz" lIns="91440" tIns="45720" rIns="91440" bIns="45720" rtlCol="0"/>
+          <a:lstStyle/>
+          <a:p>
+            <a:pPr lvl="0"/>
+            <a:r>
+              <a:rPr lang="en-US"/>
+              <a:t>Click to edit Master text styles</a:t>
+            </a:r>
+          </a:p>
+          <a:p>
+            <a:pPr lvl="1"/>
+            <a:r>
+              <a:rPr lang="en-US"/>
+              <a:t>Second level</a:t>
+            </a:r>
+          </a:p>
+          <a:p>
+            <a:pPr lvl="2"/>
+            <a:r>
+              <a:rPr lang="en-US"/>
+              <a:t>Third level</a:t>
+            </a:r>
+          </a:p>
+          <a:p>
+            <a:pPr lvl="3"/>
+            <a:r>
+              <a:rPr lang="en-US"/>
+              <a:t>Fourth level</a:t>
+            </a:r>
+          </a:p>
+          <a:p>
+            <a:pPr lvl="4"/>
+            <a:r>
+              <a:rPr lang="en-US"/>
+              <a:t>Fifth level</a:t>
+            </a:r>
+          </a:p>
+        </p:txBody>
+      </p:sp>
+      <p:sp>
+        <p:nvSpPr>
+          <p:cNvPr id="6" name="Footer Placeholder 5"/>
+          <p:cNvSpPr>
+            <a:spLocks noGrp="1"/>
+          </p:cNvSpPr>
+          <p:nvPr>
+            <p:ph type="ftr" sz="quarter" idx="4"/>
+          </p:nvPr>
+        </p:nvSpPr>
+        <p:spPr>
+          <a:xfrm>
+            <a:off x="0" y="8685213"/>
+            <a:ext cx="2971800" cy="458787"/>
+          </a:xfrm>
+          <a:prstGeom prst="rect">
+            <a:avLst/>
+          </a:prstGeom>
+        </p:spPr>
+        <p:txBody>
+          <a:bodyPr vert="horz" lIns="91440" tIns="45720" rIns="91440" bIns="45720" rtlCol="0" anchor="b"/>
+          <a:lstStyle>
+            <a:lvl1pPr algn="l">
+              <a:defRPr sz="1200"/>
+            </a:lvl1pPr>
+          </a:lstStyle>
+          <a:p>
+            <a:endParaRPr lang="en-US"/>
+          </a:p>
+        </p:txBody>
+      </p:sp>
+      <p:sp>
+        <p:nvSpPr>
+          <p:cNvPr id="7" name="Slide Number Placeholder 6"/>
+          <p:cNvSpPr>
+            <a:spLocks noGrp="1"/>
+          </p:cNvSpPr>
+          <p:nvPr>
+            <p:ph type="sldNum" sz="quarter" idx="5"/>
+          </p:nvPr>
+        </p:nvSpPr>
+        <p:spPr>
+          <a:xfrm>
+            <a:off x="3884613" y="8685213"/>
+            <a:ext cx="2971800" cy="458787"/>
+          </a:xfrm>
+          <a:prstGeom prst="rect">
+            <a:avLst/>
+          </a:prstGeom>
+        </p:spPr>
+        <p:txBody>
+          <a:bodyPr vert="horz" lIns="91440" tIns="45720" rIns="91440" bIns="45720" rtlCol="0" anchor="b"/>
+          <a:lstStyle>
+            <a:lvl1pPr algn="r">
+              <a:defRPr sz="1200"/>
+            </a:lvl1pPr>
+          </a:lstStyle>
+          <a:p>
+            <a:fld id="{41E1D21A-986E-4A40-A239-C10C67A7E9EA}" type="slidenum">
+              <a:rPr lang="en-US" smtClean="0"/>
+              <a:t>‹#›</a:t>
+            </a:fld>
+            <a:endParaRPr lang="en-US"/>
+          </a:p>
+        </p:txBody>
+      </p:sp>
+    </p:spTree>
+    <p:extLst>
+      <p:ext uri="{BB962C8B-B14F-4D97-AF65-F5344CB8AC3E}">
+        <p14:creationId xmlns:p14="http://schemas.microsoft.com/office/powerpoint/2010/main" val="1382672472"/>
+      </p:ext>
+    </p:extLst>
+  </p:cSld>
+  <p:clrMap bg1="lt1" tx1="dk1" bg2="lt2" tx2="dk2" accent1="accent1" accent2="accent2" accent3="accent3" accent4="accent4" accent5="accent5" accent6="accent6" hlink="hlink" folHlink="folHlink"/>
+  <p:notesStyle>
+    <a:lvl1pPr marL="0" algn="l" defTabSz="914400" rtl="0" eaLnBrk="1" latinLnBrk="0" hangingPunct="1">
+      <a:defRPr sz="1200" kern="1200">
+        <a:solidFill>
+          <a:schemeClr val="tx1"/>
+        </a:solidFill>
+        <a:latin typeface="+mn-lt"/>
+        <a:ea typeface="+mn-ea"/>
+        <a:cs typeface="+mn-cs"/>
+      </a:defRPr>
+    </a:lvl1pPr>
+    <a:lvl2pPr marL="457200" algn="l" defTabSz="914400" rtl="0" eaLnBrk="1" latinLnBrk="0" hangingPunct="1">
+      <a:defRPr sz="1200" kern="1200">
+        <a:solidFill>
+          <a:schemeClr val="tx1"/>
+        </a:solidFill>
+        <a:latin typeface="+mn-lt"/>
+        <a:ea typeface="+mn-ea"/>
+        <a:cs typeface="+mn-cs"/>
+      </a:defRPr>
+    </a:lvl2pPr>
+    <a:lvl3pPr marL="914400" algn="l" defTabSz="914400" rtl="0" eaLnBrk="1" latinLnBrk="0" hangingPunct="1">
+      <a:defRPr sz="1200" kern="1200">
+        <a:solidFill>
+          <a:schemeClr val="tx1"/>
+        </a:solidFill>
+        <a:latin typeface="+mn-lt"/>
+        <a:ea typeface="+mn-ea"/>
+        <a:cs typeface="+mn-cs"/>
+      </a:defRPr>
+    </a:lvl3pPr>
+    <a:lvl4pPr marL="1371600" algn="l" defTabSz="914400" rtl="0" eaLnBrk="1" latinLnBrk="0" hangingPunct="1">
+      <a:defRPr sz="1200" kern="1200">
+        <a:solidFill>
+          <a:schemeClr val="tx1"/>
+        </a:solidFill>
+        <a:latin typeface="+mn-lt"/>
+        <a:ea typeface="+mn-ea"/>
+        <a:cs typeface="+mn-cs"/>
+      </a:defRPr>
+    </a:lvl4pPr>
+    <a:lvl5pPr marL="1828800" algn="l" defTabSz="914400" rtl="0" eaLnBrk="1" latinLnBrk="0" hangingPunct="1">
+      <a:defRPr sz="1200" kern="1200">
+        <a:solidFill>
+          <a:schemeClr val="tx1"/>
+        </a:solidFill>
+        <a:latin typeface="+mn-lt"/>
+        <a:ea typeface="+mn-ea"/>
+        <a:cs typeface="+mn-cs"/>
+      </a:defRPr>
+    </a:lvl5pPr>
+    <a:lvl6pPr marL="2286000" algn="l" defTabSz="914400" rtl="0" eaLnBrk="1" latinLnBrk="0" hangingPunct="1">
+      <a:defRPr sz="1200" kern="1200">
+        <a:solidFill>
+          <a:schemeClr val="tx1"/>
+        </a:solidFill>
+        <a:latin typeface="+mn-lt"/>
+        <a:ea typeface="+mn-ea"/>
+        <a:cs typeface="+mn-cs"/>
+      </a:defRPr>
+    </a:lvl6pPr>
+    <a:lvl7pPr marL="2743200" algn="l" defTabSz="914400" rtl="0" eaLnBrk="1" latinLnBrk="0" hangingPunct="1">
+      <a:defRPr sz="1200" kern="1200">
+        <a:solidFill>
+          <a:schemeClr val="tx1"/>
+        </a:solidFill>
+        <a:latin typeface="+mn-lt"/>
+        <a:ea typeface="+mn-ea"/>
+        <a:cs typeface="+mn-cs"/>
+      </a:defRPr>
+    </a:lvl7pPr>
+    <a:lvl8pPr marL="3200400" algn="l" defTabSz="914400" rtl="0" eaLnBrk="1" latinLnBrk="0" hangingPunct="1">
+      <a:defRPr sz="1200" kern="1200">
+        <a:solidFill>
+          <a:schemeClr val="tx1"/>
+        </a:solidFill>
+        <a:latin typeface="+mn-lt"/>
+        <a:ea typeface="+mn-ea"/>
+        <a:cs typeface="+mn-cs"/>
+      </a:defRPr>
+    </a:lvl8pPr>
+    <a:lvl9pPr marL="3657600" algn="l" defTabSz="914400" rtl="0" eaLnBrk="1" latinLnBrk="0" hangingPunct="1">
+      <a:defRPr sz="1200" kern="1200">
+        <a:solidFill>
+          <a:schemeClr val="tx1"/>
+        </a:solidFill>
+        <a:latin typeface="+mn-lt"/>
+        <a:ea typeface="+mn-ea"/>
+        <a:cs typeface="+mn-cs"/>
+      </a:defRPr>
+    </a:lvl9pPr>
+  </p:notesStyle>
+</p:notesMaster>
+</file>
+
+<file path=ppt/notesSlides/notesSlide1.xml><?xml version="1.0" encoding="utf-8"?>
+<p:notes xmlns:a="http://schemas.openxmlformats.org/drawingml/2006/main" xmlns:r="http://schemas.openxmlformats.org/officeDocument/2006/relationships" xmlns:p="http://schemas.openxmlformats.org/presentationml/2006/main">
+  <p:cSld>
+    <p:spTree>
+      <p:nvGrpSpPr>
+        <p:cNvPr id="1" name=""/>
+        <p:cNvGrpSpPr/>
+        <p:nvPr/>
+      </p:nvGrpSpPr>
+      <p:grpSpPr>
+        <a:xfrm>
+          <a:off x="0" y="0"/>
+          <a:ext cx="0" cy="0"/>
+          <a:chOff x="0" y="0"/>
+          <a:chExt cx="0" cy="0"/>
+        </a:xfrm>
+      </p:grpSpPr>
+      <p:sp>
+        <p:nvSpPr>
+          <p:cNvPr id="2" name="Slide Image Placeholder 1"/>
+          <p:cNvSpPr>
+            <a:spLocks noGrp="1" noRot="1" noChangeAspect="1"/>
+          </p:cNvSpPr>
+          <p:nvPr>
+            <p:ph type="sldImg"/>
+          </p:nvPr>
+        </p:nvSpPr>
+        <p:spPr/>
+      </p:sp>
+      <p:sp>
+        <p:nvSpPr>
+          <p:cNvPr id="3" name="Notes Placeholder 2"/>
+          <p:cNvSpPr>
+            <a:spLocks noGrp="1"/>
+          </p:cNvSpPr>
+          <p:nvPr>
+            <p:ph type="body" idx="1"/>
+          </p:nvPr>
+        </p:nvSpPr>
+        <p:spPr/>
+        <p:txBody>
+          <a:bodyPr/>
+          <a:lstStyle/>
+          <a:p>
+            <a:pPr marL="171450" marR="0" lvl="0" indent="-171450" algn="l" defTabSz="914400" rtl="0" eaLnBrk="1" fontAlgn="auto" latinLnBrk="0" hangingPunct="1">
+              <a:lnSpc>
+                <a:spcPct val="100000"/>
+              </a:lnSpc>
+              <a:spcBef>
+                <a:spcPts val="0"/>
+              </a:spcBef>
+              <a:spcAft>
+                <a:spcPts val="0"/>
+              </a:spcAft>
+              <a:buClrTx/>
+              <a:buSzTx/>
+              <a:buFont typeface="Arial" panose="020B0604020202020204" pitchFamily="34" charset="0"/>
+              <a:buChar char="•"/>
+              <a:tabLst/>
+              <a:defRPr/>
+            </a:pPr>
+            <a:r>
+              <a:rPr lang="en-US" dirty="0"/>
+              <a:t>This is all created by executing a single command</a:t>
+            </a:r>
+          </a:p>
+          <a:p>
+            <a:pPr marL="171450" indent="-171450">
+              <a:buFont typeface="Arial" panose="020B0604020202020204" pitchFamily="34" charset="0"/>
+              <a:buChar char="•"/>
+            </a:pPr>
+            <a:r>
+              <a:rPr lang="en-US" dirty="0"/>
+              <a:t>All of this runs on one computer, but it is designed such that each blue box can become a physical cart.</a:t>
+            </a:r>
+          </a:p>
+          <a:p>
+            <a:pPr marL="171450" indent="-171450">
+              <a:buFont typeface="Arial" panose="020B0604020202020204" pitchFamily="34" charset="0"/>
+              <a:buChar char="•"/>
+            </a:pPr>
+            <a:r>
+              <a:rPr lang="en-US" dirty="0"/>
+              <a:t>Each python program (called bumper_car_controller.py) loads its own copy of the trained model used for classification</a:t>
+            </a:r>
+          </a:p>
+          <a:p>
+            <a:pPr marL="171450" indent="-171450">
+              <a:buFont typeface="Arial" panose="020B0604020202020204" pitchFamily="34" charset="0"/>
+              <a:buChar char="•"/>
+            </a:pPr>
+            <a:r>
+              <a:rPr lang="en-US" dirty="0"/>
+              <a:t>Each instance of bumper_car_controller.py makes decisions independently and only for the cart that it is attached to.</a:t>
+            </a:r>
+          </a:p>
+          <a:p>
+            <a:pPr marL="628650" lvl="1" indent="-171450">
+              <a:buFont typeface="Arial" panose="020B0604020202020204" pitchFamily="34" charset="0"/>
+              <a:buChar char="•"/>
+            </a:pPr>
+            <a:r>
+              <a:rPr lang="en-US" dirty="0"/>
+              <a:t>This allows us to extend the functionality in the future</a:t>
+            </a:r>
+          </a:p>
+          <a:p>
+            <a:pPr marL="1085850" lvl="2" indent="-171450">
+              <a:buFont typeface="Arial" panose="020B0604020202020204" pitchFamily="34" charset="0"/>
+              <a:buChar char="•"/>
+            </a:pPr>
+            <a:r>
+              <a:rPr lang="en-US" dirty="0"/>
+              <a:t>Each cart can be instructed to load a different model</a:t>
+            </a:r>
+          </a:p>
+          <a:p>
+            <a:pPr marL="1085850" lvl="2" indent="-171450">
+              <a:buFont typeface="Arial" panose="020B0604020202020204" pitchFamily="34" charset="0"/>
+              <a:buChar char="•"/>
+            </a:pPr>
+            <a:r>
+              <a:rPr lang="en-US" dirty="0"/>
+              <a:t>Each cart can be instructed to run a different decision-making algorithm</a:t>
+            </a:r>
+          </a:p>
+          <a:p>
+            <a:pPr marL="628650" lvl="1" indent="-171450">
+              <a:buFont typeface="Arial" panose="020B0604020202020204" pitchFamily="34" charset="0"/>
+              <a:buChar char="•"/>
+            </a:pPr>
+            <a:r>
+              <a:rPr lang="en-US" dirty="0"/>
+              <a:t>We can test different options by running them against </a:t>
+            </a:r>
+            <a:r>
+              <a:rPr lang="en-US"/>
+              <a:t>each other</a:t>
+            </a:r>
+            <a:endParaRPr lang="en-US" dirty="0"/>
+          </a:p>
+        </p:txBody>
+      </p:sp>
+      <p:sp>
+        <p:nvSpPr>
+          <p:cNvPr id="4" name="Slide Number Placeholder 3"/>
+          <p:cNvSpPr>
+            <a:spLocks noGrp="1"/>
+          </p:cNvSpPr>
+          <p:nvPr>
+            <p:ph type="sldNum" sz="quarter" idx="5"/>
+          </p:nvPr>
+        </p:nvSpPr>
+        <p:spPr/>
+        <p:txBody>
+          <a:bodyPr/>
+          <a:lstStyle/>
+          <a:p>
+            <a:fld id="{41E1D21A-986E-4A40-A239-C10C67A7E9EA}" type="slidenum">
+              <a:rPr lang="en-US" smtClean="0"/>
+              <a:t>10</a:t>
+            </a:fld>
+            <a:endParaRPr lang="en-US"/>
+          </a:p>
+        </p:txBody>
+      </p:sp>
+    </p:spTree>
+    <p:extLst>
+      <p:ext uri="{BB962C8B-B14F-4D97-AF65-F5344CB8AC3E}">
+        <p14:creationId xmlns:p14="http://schemas.microsoft.com/office/powerpoint/2010/main" val="168854221"/>
+      </p:ext>
+    </p:extLst>
+  </p:cSld>
+  <p:clrMapOvr>
+    <a:masterClrMapping/>
+  </p:clrMapOvr>
+</p:notes>
 </file>
 
 <file path=ppt/slideLayouts/slideLayout1.xml><?xml version="1.0" encoding="utf-8"?>
@@ -262,7 +800,7 @@
           <a:p>
             <a:fld id="{26A7EA1D-83B1-4829-AF6E-ECA8838C8D64}" type="datetimeFigureOut">
               <a:rPr lang="en-US" smtClean="0"/>
-              <a:t>5/6/2021</a:t>
+              <a:t>5/9/2021</a:t>
             </a:fld>
             <a:endParaRPr lang="en-US"/>
           </a:p>
@@ -460,7 +998,7 @@
           <a:p>
             <a:fld id="{26A7EA1D-83B1-4829-AF6E-ECA8838C8D64}" type="datetimeFigureOut">
               <a:rPr lang="en-US" smtClean="0"/>
-              <a:t>5/6/2021</a:t>
+              <a:t>5/9/2021</a:t>
             </a:fld>
             <a:endParaRPr lang="en-US"/>
           </a:p>
@@ -668,7 +1206,7 @@
           <a:p>
             <a:fld id="{26A7EA1D-83B1-4829-AF6E-ECA8838C8D64}" type="datetimeFigureOut">
               <a:rPr lang="en-US" smtClean="0"/>
-              <a:t>5/6/2021</a:t>
+              <a:t>5/9/2021</a:t>
             </a:fld>
             <a:endParaRPr lang="en-US"/>
           </a:p>
@@ -866,7 +1404,7 @@
           <a:p>
             <a:fld id="{26A7EA1D-83B1-4829-AF6E-ECA8838C8D64}" type="datetimeFigureOut">
               <a:rPr lang="en-US" smtClean="0"/>
-              <a:t>5/6/2021</a:t>
+              <a:t>5/9/2021</a:t>
             </a:fld>
             <a:endParaRPr lang="en-US"/>
           </a:p>
@@ -1141,7 +1679,7 @@
           <a:p>
             <a:fld id="{26A7EA1D-83B1-4829-AF6E-ECA8838C8D64}" type="datetimeFigureOut">
               <a:rPr lang="en-US" smtClean="0"/>
-              <a:t>5/6/2021</a:t>
+              <a:t>5/9/2021</a:t>
             </a:fld>
             <a:endParaRPr lang="en-US"/>
           </a:p>
@@ -1406,7 +1944,7 @@
           <a:p>
             <a:fld id="{26A7EA1D-83B1-4829-AF6E-ECA8838C8D64}" type="datetimeFigureOut">
               <a:rPr lang="en-US" smtClean="0"/>
-              <a:t>5/6/2021</a:t>
+              <a:t>5/9/2021</a:t>
             </a:fld>
             <a:endParaRPr lang="en-US"/>
           </a:p>
@@ -1818,7 +2356,7 @@
           <a:p>
             <a:fld id="{26A7EA1D-83B1-4829-AF6E-ECA8838C8D64}" type="datetimeFigureOut">
               <a:rPr lang="en-US" smtClean="0"/>
-              <a:t>5/6/2021</a:t>
+              <a:t>5/9/2021</a:t>
             </a:fld>
             <a:endParaRPr lang="en-US"/>
           </a:p>
@@ -1959,7 +2497,7 @@
           <a:p>
             <a:fld id="{26A7EA1D-83B1-4829-AF6E-ECA8838C8D64}" type="datetimeFigureOut">
               <a:rPr lang="en-US" smtClean="0"/>
-              <a:t>5/6/2021</a:t>
+              <a:t>5/9/2021</a:t>
             </a:fld>
             <a:endParaRPr lang="en-US"/>
           </a:p>
@@ -2072,7 +2610,7 @@
           <a:p>
             <a:fld id="{26A7EA1D-83B1-4829-AF6E-ECA8838C8D64}" type="datetimeFigureOut">
               <a:rPr lang="en-US" smtClean="0"/>
-              <a:t>5/6/2021</a:t>
+              <a:t>5/9/2021</a:t>
             </a:fld>
             <a:endParaRPr lang="en-US"/>
           </a:p>
@@ -2383,7 +2921,7 @@
           <a:p>
             <a:fld id="{26A7EA1D-83B1-4829-AF6E-ECA8838C8D64}" type="datetimeFigureOut">
               <a:rPr lang="en-US" smtClean="0"/>
-              <a:t>5/6/2021</a:t>
+              <a:t>5/9/2021</a:t>
             </a:fld>
             <a:endParaRPr lang="en-US"/>
           </a:p>
@@ -2671,7 +3209,7 @@
           <a:p>
             <a:fld id="{26A7EA1D-83B1-4829-AF6E-ECA8838C8D64}" type="datetimeFigureOut">
               <a:rPr lang="en-US" smtClean="0"/>
-              <a:t>5/6/2021</a:t>
+              <a:t>5/9/2021</a:t>
             </a:fld>
             <a:endParaRPr lang="en-US"/>
           </a:p>
@@ -2912,7 +3450,7 @@
           <a:p>
             <a:fld id="{26A7EA1D-83B1-4829-AF6E-ECA8838C8D64}" type="datetimeFigureOut">
               <a:rPr lang="en-US" smtClean="0"/>
-              <a:t>5/6/2021</a:t>
+              <a:t>5/9/2021</a:t>
             </a:fld>
             <a:endParaRPr lang="en-US"/>
           </a:p>
@@ -3418,6 +3956,185 @@
 </p:sld>
 </file>
 
+<file path=ppt/slides/slide10.xml><?xml version="1.0" encoding="utf-8"?>
+<p:sld xmlns:a="http://schemas.openxmlformats.org/drawingml/2006/main" xmlns:r="http://schemas.openxmlformats.org/officeDocument/2006/relationships" xmlns:p="http://schemas.openxmlformats.org/presentationml/2006/main">
+  <p:cSld>
+    <p:spTree>
+      <p:nvGrpSpPr>
+        <p:cNvPr id="1" name=""/>
+        <p:cNvGrpSpPr/>
+        <p:nvPr/>
+      </p:nvGrpSpPr>
+      <p:grpSpPr>
+        <a:xfrm>
+          <a:off x="0" y="0"/>
+          <a:ext cx="0" cy="0"/>
+          <a:chOff x="0" y="0"/>
+          <a:chExt cx="0" cy="0"/>
+        </a:xfrm>
+      </p:grpSpPr>
+      <p:graphicFrame>
+        <p:nvGraphicFramePr>
+          <p:cNvPr id="2" name="Object 1">
+            <a:extLst>
+              <a:ext uri="{FF2B5EF4-FFF2-40B4-BE49-F238E27FC236}">
+                <a16:creationId xmlns:a16="http://schemas.microsoft.com/office/drawing/2014/main" id="{D77BEFA0-37B1-4A58-BD4F-B69E94950126}"/>
+              </a:ext>
+            </a:extLst>
+          </p:cNvPr>
+          <p:cNvGraphicFramePr>
+            <a:graphicFrameLocks noChangeAspect="1"/>
+          </p:cNvGraphicFramePr>
+          <p:nvPr>
+            <p:extLst>
+              <p:ext uri="{D42A27DB-BD31-4B8C-83A1-F6EECF244321}">
+                <p14:modId xmlns:p14="http://schemas.microsoft.com/office/powerpoint/2010/main" val="4039860574"/>
+              </p:ext>
+            </p:extLst>
+          </p:nvPr>
+        </p:nvGraphicFramePr>
+        <p:xfrm>
+          <a:off x="2175535" y="151286"/>
+          <a:ext cx="7840930" cy="6555427"/>
+        </p:xfrm>
+        <a:graphic>
+          <a:graphicData uri="http://schemas.openxmlformats.org/presentationml/2006/ole">
+            <mc:AlternateContent xmlns:mc="http://schemas.openxmlformats.org/markup-compatibility/2006">
+              <mc:Choice xmlns:v="urn:schemas-microsoft-com:vml" Requires="v">
+                <p:oleObj name="ms-resource:Resources/OleClassShortDisplayName" r:id="rId3" imgW="9334440" imgH="7804080" progId="Paint.Picture.1">
+                  <p:embed/>
+                </p:oleObj>
+              </mc:Choice>
+              <mc:Fallback>
+                <p:oleObj name="ms-resource:Resources/OleClassShortDisplayName" r:id="rId3" imgW="9334440" imgH="7804080" progId="Paint.Picture.1">
+                  <p:embed/>
+                  <p:pic>
+                    <p:nvPicPr>
+                      <p:cNvPr id="0" name=""/>
+                      <p:cNvPicPr/>
+                      <p:nvPr/>
+                    </p:nvPicPr>
+                    <p:blipFill>
+                      <a:blip r:embed="rId4"/>
+                      <a:stretch>
+                        <a:fillRect/>
+                      </a:stretch>
+                    </p:blipFill>
+                    <p:spPr>
+                      <a:xfrm>
+                        <a:off x="2175535" y="151286"/>
+                        <a:ext cx="7840930" cy="6555427"/>
+                      </a:xfrm>
+                      <a:prstGeom prst="rect">
+                        <a:avLst/>
+                      </a:prstGeom>
+                    </p:spPr>
+                  </p:pic>
+                </p:oleObj>
+              </mc:Fallback>
+            </mc:AlternateContent>
+          </a:graphicData>
+        </a:graphic>
+      </p:graphicFrame>
+    </p:spTree>
+    <p:extLst>
+      <p:ext uri="{BB962C8B-B14F-4D97-AF65-F5344CB8AC3E}">
+        <p14:creationId xmlns:p14="http://schemas.microsoft.com/office/powerpoint/2010/main" val="2305694796"/>
+      </p:ext>
+    </p:extLst>
+  </p:cSld>
+  <p:clrMapOvr>
+    <a:masterClrMapping/>
+  </p:clrMapOvr>
+</p:sld>
+</file>
+
+<file path=ppt/slides/slide11.xml><?xml version="1.0" encoding="utf-8"?>
+<p:sld xmlns:a="http://schemas.openxmlformats.org/drawingml/2006/main" xmlns:r="http://schemas.openxmlformats.org/officeDocument/2006/relationships" xmlns:p="http://schemas.openxmlformats.org/presentationml/2006/main">
+  <p:cSld>
+    <p:spTree>
+      <p:nvGrpSpPr>
+        <p:cNvPr id="1" name=""/>
+        <p:cNvGrpSpPr/>
+        <p:nvPr/>
+      </p:nvGrpSpPr>
+      <p:grpSpPr>
+        <a:xfrm>
+          <a:off x="0" y="0"/>
+          <a:ext cx="0" cy="0"/>
+          <a:chOff x="0" y="0"/>
+          <a:chExt cx="0" cy="0"/>
+        </a:xfrm>
+      </p:grpSpPr>
+      <p:sp>
+        <p:nvSpPr>
+          <p:cNvPr id="2" name="Title 1">
+            <a:extLst>
+              <a:ext uri="{FF2B5EF4-FFF2-40B4-BE49-F238E27FC236}">
+                <a16:creationId xmlns:a16="http://schemas.microsoft.com/office/drawing/2014/main" id="{1A1B75CE-271D-48FB-82BD-3BADE505A17C}"/>
+              </a:ext>
+            </a:extLst>
+          </p:cNvPr>
+          <p:cNvSpPr>
+            <a:spLocks noGrp="1"/>
+          </p:cNvSpPr>
+          <p:nvPr>
+            <p:ph type="title"/>
+          </p:nvPr>
+        </p:nvSpPr>
+        <p:spPr/>
+        <p:txBody>
+          <a:bodyPr/>
+          <a:lstStyle/>
+          <a:p>
+            <a:r>
+              <a:rPr lang="en-US" dirty="0"/>
+              <a:t>Conclusion and Final Remarks</a:t>
+            </a:r>
+          </a:p>
+        </p:txBody>
+      </p:sp>
+      <p:sp>
+        <p:nvSpPr>
+          <p:cNvPr id="3" name="Content Placeholder 2">
+            <a:extLst>
+              <a:ext uri="{FF2B5EF4-FFF2-40B4-BE49-F238E27FC236}">
+                <a16:creationId xmlns:a16="http://schemas.microsoft.com/office/drawing/2014/main" id="{66D0B58D-CDE0-4DEF-9CDF-DF1D09AAB349}"/>
+              </a:ext>
+            </a:extLst>
+          </p:cNvPr>
+          <p:cNvSpPr>
+            <a:spLocks noGrp="1"/>
+          </p:cNvSpPr>
+          <p:nvPr>
+            <p:ph idx="1"/>
+          </p:nvPr>
+        </p:nvSpPr>
+        <p:spPr/>
+        <p:txBody>
+          <a:bodyPr/>
+          <a:lstStyle/>
+          <a:p>
+            <a:r>
+              <a:rPr lang="en-US" dirty="0"/>
+              <a:t>Stuff…</a:t>
+            </a:r>
+          </a:p>
+        </p:txBody>
+      </p:sp>
+    </p:spTree>
+    <p:extLst>
+      <p:ext uri="{BB962C8B-B14F-4D97-AF65-F5344CB8AC3E}">
+        <p14:creationId xmlns:p14="http://schemas.microsoft.com/office/powerpoint/2010/main" val="2558569331"/>
+      </p:ext>
+    </p:extLst>
+  </p:cSld>
+  <p:clrMapOvr>
+    <a:masterClrMapping/>
+  </p:clrMapOvr>
+</p:sld>
+</file>
+
 <file path=ppt/slides/slide2.xml><?xml version="1.0" encoding="utf-8"?>
 <p:sld xmlns:a="http://schemas.openxmlformats.org/drawingml/2006/main" xmlns:r="http://schemas.openxmlformats.org/officeDocument/2006/relationships" xmlns:p="http://schemas.openxmlformats.org/presentationml/2006/main">
   <p:cSld>
@@ -3877,7 +4594,7 @@
           <p:cNvPr id="2" name="Title 1">
             <a:extLst>
               <a:ext uri="{FF2B5EF4-FFF2-40B4-BE49-F238E27FC236}">
-                <a16:creationId xmlns:a16="http://schemas.microsoft.com/office/drawing/2014/main" id="{8CD52B8C-8426-49F4-AC7E-2AD658F417D4}"/>
+                <a16:creationId xmlns:a16="http://schemas.microsoft.com/office/drawing/2014/main" id="{6949BED7-C4E0-465E-85F1-97183C53B6D7}"/>
               </a:ext>
             </a:extLst>
           </p:cNvPr>
@@ -3895,7 +4612,7 @@
           <a:p>
             <a:r>
               <a:rPr lang="en-US" dirty="0"/>
-              <a:t>Project Infrastructure &amp; Software</a:t>
+              <a:t>Demonstration</a:t>
             </a:r>
           </a:p>
         </p:txBody>
@@ -3905,7 +4622,7 @@
           <p:cNvPr id="3" name="Content Placeholder 2">
             <a:extLst>
               <a:ext uri="{FF2B5EF4-FFF2-40B4-BE49-F238E27FC236}">
-                <a16:creationId xmlns:a16="http://schemas.microsoft.com/office/drawing/2014/main" id="{F23B04C2-FDA2-46BA-BB36-6F4198252183}"/>
+                <a16:creationId xmlns:a16="http://schemas.microsoft.com/office/drawing/2014/main" id="{6B0208A4-9D1D-499D-B39E-C939139216E5}"/>
               </a:ext>
             </a:extLst>
           </p:cNvPr>
@@ -3921,17 +4638,14 @@
           <a:bodyPr/>
           <a:lstStyle/>
           <a:p>
-            <a:r>
-              <a:rPr lang="en-US" dirty="0"/>
-              <a:t>Presented by Brian Bauer</a:t>
-            </a:r>
+            <a:endParaRPr lang="en-US" dirty="0"/>
           </a:p>
         </p:txBody>
       </p:sp>
     </p:spTree>
     <p:extLst>
       <p:ext uri="{BB962C8B-B14F-4D97-AF65-F5344CB8AC3E}">
-        <p14:creationId xmlns:p14="http://schemas.microsoft.com/office/powerpoint/2010/main" val="4064571591"/>
+        <p14:creationId xmlns:p14="http://schemas.microsoft.com/office/powerpoint/2010/main" val="2999053625"/>
       </p:ext>
     </p:extLst>
   </p:cSld>
@@ -4140,7 +4854,7 @@
           <p:cNvPr id="2" name="Title 1">
             <a:extLst>
               <a:ext uri="{FF2B5EF4-FFF2-40B4-BE49-F238E27FC236}">
-                <a16:creationId xmlns:a16="http://schemas.microsoft.com/office/drawing/2014/main" id="{1A1B75CE-271D-48FB-82BD-3BADE505A17C}"/>
+                <a16:creationId xmlns:a16="http://schemas.microsoft.com/office/drawing/2014/main" id="{8CD52B8C-8426-49F4-AC7E-2AD658F417D4}"/>
               </a:ext>
             </a:extLst>
           </p:cNvPr>
@@ -4158,7 +4872,7 @@
           <a:p>
             <a:r>
               <a:rPr lang="en-US" dirty="0"/>
-              <a:t>Conclusion and Final Remarks</a:t>
+              <a:t>Project Infrastructure &amp; Software</a:t>
             </a:r>
           </a:p>
         </p:txBody>
@@ -4168,7 +4882,7 @@
           <p:cNvPr id="3" name="Content Placeholder 2">
             <a:extLst>
               <a:ext uri="{FF2B5EF4-FFF2-40B4-BE49-F238E27FC236}">
-                <a16:creationId xmlns:a16="http://schemas.microsoft.com/office/drawing/2014/main" id="{66D0B58D-CDE0-4DEF-9CDF-DF1D09AAB349}"/>
+                <a16:creationId xmlns:a16="http://schemas.microsoft.com/office/drawing/2014/main" id="{F23B04C2-FDA2-46BA-BB36-6F4198252183}"/>
               </a:ext>
             </a:extLst>
           </p:cNvPr>
@@ -4186,11 +4900,7 @@
           <a:p>
             <a:r>
               <a:rPr lang="en-US" dirty="0"/>
-              <a:t>Demo </a:t>
-            </a:r>
-            <a:r>
-              <a:rPr lang="en-US"/>
-              <a:t>to follow</a:t>
+              <a:t>Presented by Brian Bauer</a:t>
             </a:r>
           </a:p>
         </p:txBody>
@@ -4198,7 +4908,7 @@
     </p:spTree>
     <p:extLst>
       <p:ext uri="{BB962C8B-B14F-4D97-AF65-F5344CB8AC3E}">
-        <p14:creationId xmlns:p14="http://schemas.microsoft.com/office/powerpoint/2010/main" val="2558569331"/>
+        <p14:creationId xmlns:p14="http://schemas.microsoft.com/office/powerpoint/2010/main" val="4064571591"/>
       </p:ext>
     </p:extLst>
   </p:cSld>
@@ -4501,4 +5211,299 @@
     </a:ext>
   </a:extLst>
 </a:theme>
+</file>
+
+<file path=ppt/theme/theme2.xml><?xml version="1.0" encoding="utf-8"?>
+<a:theme xmlns:a="http://schemas.openxmlformats.org/drawingml/2006/main" name="Office Theme">
+  <a:themeElements>
+    <a:clrScheme name="Office">
+      <a:dk1>
+        <a:sysClr val="windowText" lastClr="000000"/>
+      </a:dk1>
+      <a:lt1>
+        <a:sysClr val="window" lastClr="FFFFFF"/>
+      </a:lt1>
+      <a:dk2>
+        <a:srgbClr val="44546A"/>
+      </a:dk2>
+      <a:lt2>
+        <a:srgbClr val="E7E6E6"/>
+      </a:lt2>
+      <a:accent1>
+        <a:srgbClr val="4472C4"/>
+      </a:accent1>
+      <a:accent2>
+        <a:srgbClr val="ED7D31"/>
+      </a:accent2>
+      <a:accent3>
+        <a:srgbClr val="A5A5A5"/>
+      </a:accent3>
+      <a:accent4>
+        <a:srgbClr val="FFC000"/>
+      </a:accent4>
+      <a:accent5>
+        <a:srgbClr val="5B9BD5"/>
+      </a:accent5>
+      <a:accent6>
+        <a:srgbClr val="70AD47"/>
+      </a:accent6>
+      <a:hlink>
+        <a:srgbClr val="0563C1"/>
+      </a:hlink>
+      <a:folHlink>
+        <a:srgbClr val="954F72"/>
+      </a:folHlink>
+    </a:clrScheme>
+    <a:fontScheme name="Office">
+      <a:majorFont>
+        <a:latin typeface="Calibri Light" panose="020F0302020204030204"/>
+        <a:ea typeface=""/>
+        <a:cs typeface=""/>
+        <a:font script="Jpan" typeface="游ゴシック Light"/>
+        <a:font script="Hang" typeface="맑은 고딕"/>
+        <a:font script="Hans" typeface="等线 Light"/>
+        <a:font script="Hant" typeface="新細明體"/>
+        <a:font script="Arab" typeface="Times New Roman"/>
+        <a:font script="Hebr" typeface="Times New Roman"/>
+        <a:font script="Thai" typeface="Angsana New"/>
+        <a:font script="Ethi" typeface="Nyala"/>
+        <a:font script="Beng" typeface="Vrinda"/>
+        <a:font script="Gujr" typeface="Shruti"/>
+        <a:font script="Khmr" typeface="MoolBoran"/>
+        <a:font script="Knda" typeface="Tunga"/>
+        <a:font script="Guru" typeface="Raavi"/>
+        <a:font script="Cans" typeface="Euphemia"/>
+        <a:font script="Cher" typeface="Plantagenet Cherokee"/>
+        <a:font script="Yiii" typeface="Microsoft Yi Baiti"/>
+        <a:font script="Tibt" typeface="Microsoft Himalaya"/>
+        <a:font script="Thaa" typeface="MV Boli"/>
+        <a:font script="Deva" typeface="Mangal"/>
+        <a:font script="Telu" typeface="Gautami"/>
+        <a:font script="Taml" typeface="Latha"/>
+        <a:font script="Syrc" typeface="Estrangelo Edessa"/>
+        <a:font script="Orya" typeface="Kalinga"/>
+        <a:font script="Mlym" typeface="Kartika"/>
+        <a:font script="Laoo" typeface="DokChampa"/>
+        <a:font script="Sinh" typeface="Iskoola Pota"/>
+        <a:font script="Mong" typeface="Mongolian Baiti"/>
+        <a:font script="Viet" typeface="Times New Roman"/>
+        <a:font script="Uigh" typeface="Microsoft Uighur"/>
+        <a:font script="Geor" typeface="Sylfaen"/>
+        <a:font script="Armn" typeface="Arial"/>
+        <a:font script="Bugi" typeface="Leelawadee UI"/>
+        <a:font script="Bopo" typeface="Microsoft JhengHei"/>
+        <a:font script="Java" typeface="Javanese Text"/>
+        <a:font script="Lisu" typeface="Segoe UI"/>
+        <a:font script="Mymr" typeface="Myanmar Text"/>
+        <a:font script="Nkoo" typeface="Ebrima"/>
+        <a:font script="Olck" typeface="Nirmala UI"/>
+        <a:font script="Osma" typeface="Ebrima"/>
+        <a:font script="Phag" typeface="Phagspa"/>
+        <a:font script="Syrn" typeface="Estrangelo Edessa"/>
+        <a:font script="Syrj" typeface="Estrangelo Edessa"/>
+        <a:font script="Syre" typeface="Estrangelo Edessa"/>
+        <a:font script="Sora" typeface="Nirmala UI"/>
+        <a:font script="Tale" typeface="Microsoft Tai Le"/>
+        <a:font script="Talu" typeface="Microsoft New Tai Lue"/>
+        <a:font script="Tfng" typeface="Ebrima"/>
+      </a:majorFont>
+      <a:minorFont>
+        <a:latin typeface="Calibri" panose="020F0502020204030204"/>
+        <a:ea typeface=""/>
+        <a:cs typeface=""/>
+        <a:font script="Jpan" typeface="游ゴシック"/>
+        <a:font script="Hang" typeface="맑은 고딕"/>
+        <a:font script="Hans" typeface="等线"/>
+        <a:font script="Hant" typeface="新細明體"/>
+        <a:font script="Arab" typeface="Arial"/>
+        <a:font script="Hebr" typeface="Arial"/>
+        <a:font script="Thai" typeface="Cordia New"/>
+        <a:font script="Ethi" typeface="Nyala"/>
+        <a:font script="Beng" typeface="Vrinda"/>
+        <a:font script="Gujr" typeface="Shruti"/>
+        <a:font script="Khmr" typeface="DaunPenh"/>
+        <a:font script="Knda" typeface="Tunga"/>
+        <a:font script="Guru" typeface="Raavi"/>
+        <a:font script="Cans" typeface="Euphemia"/>
+        <a:font script="Cher" typeface="Plantagenet Cherokee"/>
+        <a:font script="Yiii" typeface="Microsoft Yi Baiti"/>
+        <a:font script="Tibt" typeface="Microsoft Himalaya"/>
+        <a:font script="Thaa" typeface="MV Boli"/>
+        <a:font script="Deva" typeface="Mangal"/>
+        <a:font script="Telu" typeface="Gautami"/>
+        <a:font script="Taml" typeface="Latha"/>
+        <a:font script="Syrc" typeface="Estrangelo Edessa"/>
+        <a:font script="Orya" typeface="Kalinga"/>
+        <a:font script="Mlym" typeface="Kartika"/>
+        <a:font script="Laoo" typeface="DokChampa"/>
+        <a:font script="Sinh" typeface="Iskoola Pota"/>
+        <a:font script="Mong" typeface="Mongolian Baiti"/>
+        <a:font script="Viet" typeface="Arial"/>
+        <a:font script="Uigh" typeface="Microsoft Uighur"/>
+        <a:font script="Geor" typeface="Sylfaen"/>
+        <a:font script="Armn" typeface="Arial"/>
+        <a:font script="Bugi" typeface="Leelawadee UI"/>
+        <a:font script="Bopo" typeface="Microsoft JhengHei"/>
+        <a:font script="Java" typeface="Javanese Text"/>
+        <a:font script="Lisu" typeface="Segoe UI"/>
+        <a:font script="Mymr" typeface="Myanmar Text"/>
+        <a:font script="Nkoo" typeface="Ebrima"/>
+        <a:font script="Olck" typeface="Nirmala UI"/>
+        <a:font script="Osma" typeface="Ebrima"/>
+        <a:font script="Phag" typeface="Phagspa"/>
+        <a:font script="Syrn" typeface="Estrangelo Edessa"/>
+        <a:font script="Syrj" typeface="Estrangelo Edessa"/>
+        <a:font script="Syre" typeface="Estrangelo Edessa"/>
+        <a:font script="Sora" typeface="Nirmala UI"/>
+        <a:font script="Tale" typeface="Microsoft Tai Le"/>
+        <a:font script="Talu" typeface="Microsoft New Tai Lue"/>
+        <a:font script="Tfng" typeface="Ebrima"/>
+      </a:minorFont>
+    </a:fontScheme>
+    <a:fmtScheme name="Office">
+      <a:fillStyleLst>
+        <a:solidFill>
+          <a:schemeClr val="phClr"/>
+        </a:solidFill>
+        <a:gradFill rotWithShape="1">
+          <a:gsLst>
+            <a:gs pos="0">
+              <a:schemeClr val="phClr">
+                <a:lumMod val="110000"/>
+                <a:satMod val="105000"/>
+                <a:tint val="67000"/>
+              </a:schemeClr>
+            </a:gs>
+            <a:gs pos="50000">
+              <a:schemeClr val="phClr">
+                <a:lumMod val="105000"/>
+                <a:satMod val="103000"/>
+                <a:tint val="73000"/>
+              </a:schemeClr>
+            </a:gs>
+            <a:gs pos="100000">
+              <a:schemeClr val="phClr">
+                <a:lumMod val="105000"/>
+                <a:satMod val="109000"/>
+                <a:tint val="81000"/>
+              </a:schemeClr>
+            </a:gs>
+          </a:gsLst>
+          <a:lin ang="5400000" scaled="0"/>
+        </a:gradFill>
+        <a:gradFill rotWithShape="1">
+          <a:gsLst>
+            <a:gs pos="0">
+              <a:schemeClr val="phClr">
+                <a:satMod val="103000"/>
+                <a:lumMod val="102000"/>
+                <a:tint val="94000"/>
+              </a:schemeClr>
+            </a:gs>
+            <a:gs pos="50000">
+              <a:schemeClr val="phClr">
+                <a:satMod val="110000"/>
+                <a:lumMod val="100000"/>
+                <a:shade val="100000"/>
+              </a:schemeClr>
+            </a:gs>
+            <a:gs pos="100000">
+              <a:schemeClr val="phClr">
+                <a:lumMod val="99000"/>
+                <a:satMod val="120000"/>
+                <a:shade val="78000"/>
+              </a:schemeClr>
+            </a:gs>
+          </a:gsLst>
+          <a:lin ang="5400000" scaled="0"/>
+        </a:gradFill>
+      </a:fillStyleLst>
+      <a:lnStyleLst>
+        <a:ln w="6350" cap="flat" cmpd="sng" algn="ctr">
+          <a:solidFill>
+            <a:schemeClr val="phClr"/>
+          </a:solidFill>
+          <a:prstDash val="solid"/>
+          <a:miter lim="800000"/>
+        </a:ln>
+        <a:ln w="12700" cap="flat" cmpd="sng" algn="ctr">
+          <a:solidFill>
+            <a:schemeClr val="phClr"/>
+          </a:solidFill>
+          <a:prstDash val="solid"/>
+          <a:miter lim="800000"/>
+        </a:ln>
+        <a:ln w="19050" cap="flat" cmpd="sng" algn="ctr">
+          <a:solidFill>
+            <a:schemeClr val="phClr"/>
+          </a:solidFill>
+          <a:prstDash val="solid"/>
+          <a:miter lim="800000"/>
+        </a:ln>
+      </a:lnStyleLst>
+      <a:effectStyleLst>
+        <a:effectStyle>
+          <a:effectLst/>
+        </a:effectStyle>
+        <a:effectStyle>
+          <a:effectLst/>
+        </a:effectStyle>
+        <a:effectStyle>
+          <a:effectLst>
+            <a:outerShdw blurRad="57150" dist="19050" dir="5400000" algn="ctr" rotWithShape="0">
+              <a:srgbClr val="000000">
+                <a:alpha val="63000"/>
+              </a:srgbClr>
+            </a:outerShdw>
+          </a:effectLst>
+        </a:effectStyle>
+      </a:effectStyleLst>
+      <a:bgFillStyleLst>
+        <a:solidFill>
+          <a:schemeClr val="phClr"/>
+        </a:solidFill>
+        <a:solidFill>
+          <a:schemeClr val="phClr">
+            <a:tint val="95000"/>
+            <a:satMod val="170000"/>
+          </a:schemeClr>
+        </a:solidFill>
+        <a:gradFill rotWithShape="1">
+          <a:gsLst>
+            <a:gs pos="0">
+              <a:schemeClr val="phClr">
+                <a:tint val="93000"/>
+                <a:satMod val="150000"/>
+                <a:shade val="98000"/>
+                <a:lumMod val="102000"/>
+              </a:schemeClr>
+            </a:gs>
+            <a:gs pos="50000">
+              <a:schemeClr val="phClr">
+                <a:tint val="98000"/>
+                <a:satMod val="130000"/>
+                <a:shade val="90000"/>
+                <a:lumMod val="103000"/>
+              </a:schemeClr>
+            </a:gs>
+            <a:gs pos="100000">
+              <a:schemeClr val="phClr">
+                <a:shade val="63000"/>
+                <a:satMod val="120000"/>
+              </a:schemeClr>
+            </a:gs>
+          </a:gsLst>
+          <a:lin ang="5400000" scaled="0"/>
+        </a:gradFill>
+      </a:bgFillStyleLst>
+    </a:fmtScheme>
+  </a:themeElements>
+  <a:objectDefaults/>
+  <a:extraClrSchemeLst/>
+  <a:extLst>
+    <a:ext uri="{05A4C25C-085E-4340-85A3-A5531E510DB2}">
+      <thm15:themeFamily xmlns:thm15="http://schemas.microsoft.com/office/thememl/2012/main" name="Office Theme" id="{62F939B6-93AF-4DB8-9C6B-D6C7DFDC589F}" vid="{4A3C46E8-61CC-4603-A589-7422A47A8E4A}"/>
+    </a:ext>
+  </a:extLst>
+</a:theme>
 </file>
--- a/Final-Presentation.pptx
+++ b/Final-Presentation.pptx
@@ -5,7 +5,7 @@
     <p:sldMasterId id="2147483648" r:id="rId1"/>
   </p:sldMasterIdLst>
   <p:notesMasterIdLst>
-    <p:notesMasterId r:id="rId13"/>
+    <p:notesMasterId r:id="rId17"/>
   </p:notesMasterIdLst>
   <p:sldIdLst>
     <p:sldId id="256" r:id="rId2"/>
@@ -18,7 +18,11 @@
     <p:sldId id="263" r:id="rId9"/>
     <p:sldId id="261" r:id="rId10"/>
     <p:sldId id="266" r:id="rId11"/>
-    <p:sldId id="264" r:id="rId12"/>
+    <p:sldId id="267" r:id="rId12"/>
+    <p:sldId id="268" r:id="rId13"/>
+    <p:sldId id="269" r:id="rId14"/>
+    <p:sldId id="270" r:id="rId15"/>
+    <p:sldId id="264" r:id="rId16"/>
   </p:sldIdLst>
   <p:sldSz cx="12192000" cy="6858000"/>
   <p:notesSz cx="6858000" cy="9144000"/>
@@ -547,7 +551,7 @@
             </a:pPr>
             <a:r>
               <a:rPr lang="en-US" dirty="0"/>
-              <a:t>All of this runs on one computer, but it is designed such that each blue box can become a physical cart.</a:t>
+              <a:t>All of this runs on one computer, but it is designed such that each blue box can become a physical cart – or an independent computer.</a:t>
             </a:r>
           </a:p>
           <a:p>
@@ -607,13 +611,8 @@
             </a:pPr>
             <a:r>
               <a:rPr lang="en-US" dirty="0"/>
-              <a:t>We can test different options by running them against </a:t>
-            </a:r>
-            <a:r>
-              <a:rPr lang="en-US"/>
-              <a:t>each other</a:t>
-            </a:r>
-            <a:endParaRPr lang="en-US" dirty="0"/>
+              <a:t>We can test different options by running them against each other</a:t>
+            </a:r>
           </a:p>
         </p:txBody>
       </p:sp>
@@ -644,6 +643,411 @@
     <p:extLst>
       <p:ext uri="{BB962C8B-B14F-4D97-AF65-F5344CB8AC3E}">
         <p14:creationId xmlns:p14="http://schemas.microsoft.com/office/powerpoint/2010/main" val="168854221"/>
+      </p:ext>
+    </p:extLst>
+  </p:cSld>
+  <p:clrMapOvr>
+    <a:masterClrMapping/>
+  </p:clrMapOvr>
+</p:notes>
+</file>
+
+<file path=ppt/notesSlides/notesSlide2.xml><?xml version="1.0" encoding="utf-8"?>
+<p:notes xmlns:a="http://schemas.openxmlformats.org/drawingml/2006/main" xmlns:r="http://schemas.openxmlformats.org/officeDocument/2006/relationships" xmlns:p="http://schemas.openxmlformats.org/presentationml/2006/main">
+  <p:cSld>
+    <p:spTree>
+      <p:nvGrpSpPr>
+        <p:cNvPr id="1" name=""/>
+        <p:cNvGrpSpPr/>
+        <p:nvPr/>
+      </p:nvGrpSpPr>
+      <p:grpSpPr>
+        <a:xfrm>
+          <a:off x="0" y="0"/>
+          <a:ext cx="0" cy="0"/>
+          <a:chOff x="0" y="0"/>
+          <a:chExt cx="0" cy="0"/>
+        </a:xfrm>
+      </p:grpSpPr>
+      <p:sp>
+        <p:nvSpPr>
+          <p:cNvPr id="2" name="Slide Image Placeholder 1"/>
+          <p:cNvSpPr>
+            <a:spLocks noGrp="1" noRot="1" noChangeAspect="1"/>
+          </p:cNvSpPr>
+          <p:nvPr>
+            <p:ph type="sldImg"/>
+          </p:nvPr>
+        </p:nvSpPr>
+        <p:spPr/>
+      </p:sp>
+      <p:sp>
+        <p:nvSpPr>
+          <p:cNvPr id="3" name="Notes Placeholder 2"/>
+          <p:cNvSpPr>
+            <a:spLocks noGrp="1"/>
+          </p:cNvSpPr>
+          <p:nvPr>
+            <p:ph type="body" idx="1"/>
+          </p:nvPr>
+        </p:nvSpPr>
+        <p:spPr/>
+        <p:txBody>
+          <a:bodyPr/>
+          <a:lstStyle/>
+          <a:p>
+            <a:r>
+              <a:rPr lang="en-US" dirty="0"/>
+              <a:t>This approach follows the recommended style for launching multiple entities using ROS2.  First, we create an empty world, place the arena inside of it, create each cart, and then launch the python controller for it.</a:t>
+            </a:r>
+          </a:p>
+          <a:p>
+            <a:endParaRPr lang="en-US" dirty="0"/>
+          </a:p>
+          <a:p>
+            <a:r>
+              <a:rPr lang="en-US" dirty="0"/>
+              <a:t>There are tradeoffs involved with using the approach.  It is technically possible to issue commands to Gazebo via ROS2 that can set an exact placement of the sun (our light source) as well as intensity and color balance.  Unfortunately, I never figured this part out and I believe that this caused our trained model to have a reduced accuracy level.</a:t>
+            </a:r>
+          </a:p>
+          <a:p>
+            <a:endParaRPr lang="en-US" dirty="0"/>
+          </a:p>
+          <a:p>
+            <a:r>
+              <a:rPr lang="en-US" dirty="0"/>
+              <a:t>The opposite approach is to create a Gazebo world file.  This makes the placement of entities in Gazebo simple with plenty of configuration ability.  Unfortunately, that configuration ability didn’t extend to reusing our cart model code while maintaining unique ROS2 namespaces.  It appears that in ROS1 this was possible.  Based on documentation, a future version of ROS2 may restore this.</a:t>
+            </a:r>
+          </a:p>
+          <a:p>
+            <a:endParaRPr lang="en-US" dirty="0"/>
+          </a:p>
+          <a:p>
+            <a:r>
+              <a:rPr lang="en-US" dirty="0"/>
+              <a:t>Additionally, the python controller code can’t be launched automatically via a Gazebo world file.  What you would have to do is create a custom gazebo plugin.  This is possible but not anywhere near as easy as writing a plain vanilla python program that includes </a:t>
+            </a:r>
+            <a:r>
+              <a:rPr lang="en-US" dirty="0" err="1"/>
+              <a:t>rclpy</a:t>
+            </a:r>
+            <a:r>
+              <a:rPr lang="en-US" dirty="0"/>
+              <a:t> (the ROS2 interface).  To make matters worse, that custom plugin would be useless if you wanted to transfer to a physical bumper car.</a:t>
+            </a:r>
+          </a:p>
+        </p:txBody>
+      </p:sp>
+      <p:sp>
+        <p:nvSpPr>
+          <p:cNvPr id="4" name="Slide Number Placeholder 3"/>
+          <p:cNvSpPr>
+            <a:spLocks noGrp="1"/>
+          </p:cNvSpPr>
+          <p:nvPr>
+            <p:ph type="sldNum" sz="quarter" idx="5"/>
+          </p:nvPr>
+        </p:nvSpPr>
+        <p:spPr/>
+        <p:txBody>
+          <a:bodyPr/>
+          <a:lstStyle/>
+          <a:p>
+            <a:fld id="{41E1D21A-986E-4A40-A239-C10C67A7E9EA}" type="slidenum">
+              <a:rPr lang="en-US" smtClean="0"/>
+              <a:t>11</a:t>
+            </a:fld>
+            <a:endParaRPr lang="en-US"/>
+          </a:p>
+        </p:txBody>
+      </p:sp>
+    </p:spTree>
+    <p:extLst>
+      <p:ext uri="{BB962C8B-B14F-4D97-AF65-F5344CB8AC3E}">
+        <p14:creationId xmlns:p14="http://schemas.microsoft.com/office/powerpoint/2010/main" val="4244274170"/>
+      </p:ext>
+    </p:extLst>
+  </p:cSld>
+  <p:clrMapOvr>
+    <a:masterClrMapping/>
+  </p:clrMapOvr>
+</p:notes>
+</file>
+
+<file path=ppt/notesSlides/notesSlide3.xml><?xml version="1.0" encoding="utf-8"?>
+<p:notes xmlns:a="http://schemas.openxmlformats.org/drawingml/2006/main" xmlns:r="http://schemas.openxmlformats.org/officeDocument/2006/relationships" xmlns:p="http://schemas.openxmlformats.org/presentationml/2006/main">
+  <p:cSld>
+    <p:spTree>
+      <p:nvGrpSpPr>
+        <p:cNvPr id="1" name=""/>
+        <p:cNvGrpSpPr/>
+        <p:nvPr/>
+      </p:nvGrpSpPr>
+      <p:grpSpPr>
+        <a:xfrm>
+          <a:off x="0" y="0"/>
+          <a:ext cx="0" cy="0"/>
+          <a:chOff x="0" y="0"/>
+          <a:chExt cx="0" cy="0"/>
+        </a:xfrm>
+      </p:grpSpPr>
+      <p:sp>
+        <p:nvSpPr>
+          <p:cNvPr id="2" name="Slide Image Placeholder 1"/>
+          <p:cNvSpPr>
+            <a:spLocks noGrp="1" noRot="1" noChangeAspect="1"/>
+          </p:cNvSpPr>
+          <p:nvPr>
+            <p:ph type="sldImg"/>
+          </p:nvPr>
+        </p:nvSpPr>
+        <p:spPr/>
+      </p:sp>
+      <p:sp>
+        <p:nvSpPr>
+          <p:cNvPr id="3" name="Notes Placeholder 2"/>
+          <p:cNvSpPr>
+            <a:spLocks noGrp="1"/>
+          </p:cNvSpPr>
+          <p:nvPr>
+            <p:ph type="body" idx="1"/>
+          </p:nvPr>
+        </p:nvSpPr>
+        <p:spPr/>
+        <p:txBody>
+          <a:bodyPr/>
+          <a:lstStyle/>
+          <a:p>
+            <a:r>
+              <a:rPr lang="en-US" dirty="0"/>
+              <a:t>This is our controlling “state machine” for our bumper car controller.  Each instance of the controller subscribes to a ROS2 notification channel.  This means that every cart receives all messages at approximately the same time.  The ideal situation is to tell the cars to prepare themselves by preloading their model, but if not they will load it when we tell the cars to start playing their game.  They will stop playing when they are told that the game is over.  We can start and stop games as many times as we wish, but when we are done we need to tell the controller software to shut down.  Quitting gazebo without telling the controllers to shutdown will cause them to become zombie processes that must be cleaned up using the </a:t>
+            </a:r>
+            <a:r>
+              <a:rPr lang="en-US" dirty="0" err="1"/>
+              <a:t>unix</a:t>
+            </a:r>
+            <a:r>
+              <a:rPr lang="en-US" dirty="0"/>
+              <a:t> kill command.  Letting AI bots battle each other and then killing zombies – who ever said school wasn’t fun???</a:t>
+            </a:r>
+          </a:p>
+        </p:txBody>
+      </p:sp>
+      <p:sp>
+        <p:nvSpPr>
+          <p:cNvPr id="4" name="Slide Number Placeholder 3"/>
+          <p:cNvSpPr>
+            <a:spLocks noGrp="1"/>
+          </p:cNvSpPr>
+          <p:nvPr>
+            <p:ph type="sldNum" sz="quarter" idx="5"/>
+          </p:nvPr>
+        </p:nvSpPr>
+        <p:spPr/>
+        <p:txBody>
+          <a:bodyPr/>
+          <a:lstStyle/>
+          <a:p>
+            <a:fld id="{41E1D21A-986E-4A40-A239-C10C67A7E9EA}" type="slidenum">
+              <a:rPr lang="en-US" smtClean="0"/>
+              <a:t>12</a:t>
+            </a:fld>
+            <a:endParaRPr lang="en-US"/>
+          </a:p>
+        </p:txBody>
+      </p:sp>
+    </p:spTree>
+    <p:extLst>
+      <p:ext uri="{BB962C8B-B14F-4D97-AF65-F5344CB8AC3E}">
+        <p14:creationId xmlns:p14="http://schemas.microsoft.com/office/powerpoint/2010/main" val="2704035007"/>
+      </p:ext>
+    </p:extLst>
+  </p:cSld>
+  <p:clrMapOvr>
+    <a:masterClrMapping/>
+  </p:clrMapOvr>
+</p:notes>
+</file>
+
+<file path=ppt/notesSlides/notesSlide4.xml><?xml version="1.0" encoding="utf-8"?>
+<p:notes xmlns:a="http://schemas.openxmlformats.org/drawingml/2006/main" xmlns:r="http://schemas.openxmlformats.org/officeDocument/2006/relationships" xmlns:p="http://schemas.openxmlformats.org/presentationml/2006/main">
+  <p:cSld>
+    <p:spTree>
+      <p:nvGrpSpPr>
+        <p:cNvPr id="1" name=""/>
+        <p:cNvGrpSpPr/>
+        <p:nvPr/>
+      </p:nvGrpSpPr>
+      <p:grpSpPr>
+        <a:xfrm>
+          <a:off x="0" y="0"/>
+          <a:ext cx="0" cy="0"/>
+          <a:chOff x="0" y="0"/>
+          <a:chExt cx="0" cy="0"/>
+        </a:xfrm>
+      </p:grpSpPr>
+      <p:sp>
+        <p:nvSpPr>
+          <p:cNvPr id="2" name="Slide Image Placeholder 1"/>
+          <p:cNvSpPr>
+            <a:spLocks noGrp="1" noRot="1" noChangeAspect="1"/>
+          </p:cNvSpPr>
+          <p:nvPr>
+            <p:ph type="sldImg"/>
+          </p:nvPr>
+        </p:nvSpPr>
+        <p:spPr/>
+      </p:sp>
+      <p:sp>
+        <p:nvSpPr>
+          <p:cNvPr id="3" name="Notes Placeholder 2"/>
+          <p:cNvSpPr>
+            <a:spLocks noGrp="1"/>
+          </p:cNvSpPr>
+          <p:nvPr>
+            <p:ph type="body" idx="1"/>
+          </p:nvPr>
+        </p:nvSpPr>
+        <p:spPr/>
+        <p:txBody>
+          <a:bodyPr/>
+          <a:lstStyle/>
+          <a:p>
+            <a:r>
+              <a:rPr lang="en-US" dirty="0"/>
+              <a:t>Each camera is constantly publishing frames of video over ROS2.  Our controller has subscribed to received them.  We are only storing the most recent frame for each of the cameras and only doing our processing when a frontal frame arrives.  In the future, this will be more performant and we will be processing upon receiving any frame from any camera.  Notice that we are using the ROS-to-OpenCV bridge library to convert the frames.</a:t>
+            </a:r>
+          </a:p>
+        </p:txBody>
+      </p:sp>
+      <p:sp>
+        <p:nvSpPr>
+          <p:cNvPr id="4" name="Slide Number Placeholder 3"/>
+          <p:cNvSpPr>
+            <a:spLocks noGrp="1"/>
+          </p:cNvSpPr>
+          <p:nvPr>
+            <p:ph type="sldNum" sz="quarter" idx="5"/>
+          </p:nvPr>
+        </p:nvSpPr>
+        <p:spPr/>
+        <p:txBody>
+          <a:bodyPr/>
+          <a:lstStyle/>
+          <a:p>
+            <a:fld id="{41E1D21A-986E-4A40-A239-C10C67A7E9EA}" type="slidenum">
+              <a:rPr lang="en-US" smtClean="0"/>
+              <a:t>13</a:t>
+            </a:fld>
+            <a:endParaRPr lang="en-US"/>
+          </a:p>
+        </p:txBody>
+      </p:sp>
+    </p:spTree>
+    <p:extLst>
+      <p:ext uri="{BB962C8B-B14F-4D97-AF65-F5344CB8AC3E}">
+        <p14:creationId xmlns:p14="http://schemas.microsoft.com/office/powerpoint/2010/main" val="276100697"/>
+      </p:ext>
+    </p:extLst>
+  </p:cSld>
+  <p:clrMapOvr>
+    <a:masterClrMapping/>
+  </p:clrMapOvr>
+</p:notes>
+</file>
+
+<file path=ppt/notesSlides/notesSlide5.xml><?xml version="1.0" encoding="utf-8"?>
+<p:notes xmlns:a="http://schemas.openxmlformats.org/drawingml/2006/main" xmlns:r="http://schemas.openxmlformats.org/officeDocument/2006/relationships" xmlns:p="http://schemas.openxmlformats.org/presentationml/2006/main">
+  <p:cSld>
+    <p:spTree>
+      <p:nvGrpSpPr>
+        <p:cNvPr id="1" name=""/>
+        <p:cNvGrpSpPr/>
+        <p:nvPr/>
+      </p:nvGrpSpPr>
+      <p:grpSpPr>
+        <a:xfrm>
+          <a:off x="0" y="0"/>
+          <a:ext cx="0" cy="0"/>
+          <a:chOff x="0" y="0"/>
+          <a:chExt cx="0" cy="0"/>
+        </a:xfrm>
+      </p:grpSpPr>
+      <p:sp>
+        <p:nvSpPr>
+          <p:cNvPr id="2" name="Slide Image Placeholder 1"/>
+          <p:cNvSpPr>
+            <a:spLocks noGrp="1" noRot="1" noChangeAspect="1"/>
+          </p:cNvSpPr>
+          <p:nvPr>
+            <p:ph type="sldImg"/>
+          </p:nvPr>
+        </p:nvSpPr>
+        <p:spPr/>
+      </p:sp>
+      <p:sp>
+        <p:nvSpPr>
+          <p:cNvPr id="3" name="Notes Placeholder 2"/>
+          <p:cNvSpPr>
+            <a:spLocks noGrp="1"/>
+          </p:cNvSpPr>
+          <p:nvPr>
+            <p:ph type="body" idx="1"/>
+          </p:nvPr>
+        </p:nvSpPr>
+        <p:spPr/>
+        <p:txBody>
+          <a:bodyPr/>
+          <a:lstStyle/>
+          <a:p>
+            <a:r>
+              <a:rPr lang="en-US" dirty="0"/>
+              <a:t>This is our very rudimentary decision-making algorithm.  For performance reasons we are only handling a random subset of the frames for performance reasons.  As performance increases, we can raise the probability that we will act on a frame slowly until it reaches 1.  Our trained model is used to determine if it is safe to move left, right and forward and once we know this we choose the direction of travel based on a priority system.  If nothing is safe, the car will attempt to go backwards to safety but not in a straight line.  In the future, we will make this far more robust and also allow for different model and algorithm choices.</a:t>
+            </a:r>
+          </a:p>
+          <a:p>
+            <a:endParaRPr lang="en-US" dirty="0"/>
+          </a:p>
+          <a:p>
+            <a:r>
+              <a:rPr lang="en-US" dirty="0"/>
+              <a:t>Our experience showed that cars frequently backed themselves up into the wall.  As I mentioned before, I think the lighting difference impacts the model accuracy.  We can also limit the distance each camera can see, which would cut down on the number of obstacles and cars that a car would see.  This comes at the cost of being less and less like a real-world scenario however.  We probably need a larger arena and a more complicated model that considers the distance </a:t>
+            </a:r>
+            <a:r>
+              <a:rPr lang="en-US"/>
+              <a:t>to obstacles and cars.</a:t>
+            </a:r>
+            <a:endParaRPr lang="en-US" dirty="0"/>
+          </a:p>
+        </p:txBody>
+      </p:sp>
+      <p:sp>
+        <p:nvSpPr>
+          <p:cNvPr id="4" name="Slide Number Placeholder 3"/>
+          <p:cNvSpPr>
+            <a:spLocks noGrp="1"/>
+          </p:cNvSpPr>
+          <p:nvPr>
+            <p:ph type="sldNum" sz="quarter" idx="5"/>
+          </p:nvPr>
+        </p:nvSpPr>
+        <p:spPr/>
+        <p:txBody>
+          <a:bodyPr/>
+          <a:lstStyle/>
+          <a:p>
+            <a:fld id="{41E1D21A-986E-4A40-A239-C10C67A7E9EA}" type="slidenum">
+              <a:rPr lang="en-US" smtClean="0"/>
+              <a:t>14</a:t>
+            </a:fld>
+            <a:endParaRPr lang="en-US"/>
+          </a:p>
+        </p:txBody>
+      </p:sp>
+    </p:spTree>
+    <p:extLst>
+      <p:ext uri="{BB962C8B-B14F-4D97-AF65-F5344CB8AC3E}">
+        <p14:creationId xmlns:p14="http://schemas.microsoft.com/office/powerpoint/2010/main" val="2802122014"/>
       </p:ext>
     </p:extLst>
   </p:cSld>
@@ -4050,6 +4454,246 @@
 </file>
 
 <file path=ppt/slides/slide11.xml><?xml version="1.0" encoding="utf-8"?>
+<p:sld xmlns:a="http://schemas.openxmlformats.org/drawingml/2006/main" xmlns:r="http://schemas.openxmlformats.org/officeDocument/2006/relationships" xmlns:p="http://schemas.openxmlformats.org/presentationml/2006/main">
+  <p:cSld>
+    <p:spTree>
+      <p:nvGrpSpPr>
+        <p:cNvPr id="1" name=""/>
+        <p:cNvGrpSpPr/>
+        <p:nvPr/>
+      </p:nvGrpSpPr>
+      <p:grpSpPr>
+        <a:xfrm>
+          <a:off x="0" y="0"/>
+          <a:ext cx="0" cy="0"/>
+          <a:chOff x="0" y="0"/>
+          <a:chExt cx="0" cy="0"/>
+        </a:xfrm>
+      </p:grpSpPr>
+      <p:pic>
+        <p:nvPicPr>
+          <p:cNvPr id="3" name="Picture 2">
+            <a:extLst>
+              <a:ext uri="{FF2B5EF4-FFF2-40B4-BE49-F238E27FC236}">
+                <a16:creationId xmlns:a16="http://schemas.microsoft.com/office/drawing/2014/main" id="{168279D1-C2CE-4986-86B0-3881A8D62A1E}"/>
+              </a:ext>
+            </a:extLst>
+          </p:cNvPr>
+          <p:cNvPicPr>
+            <a:picLocks noChangeAspect="1"/>
+          </p:cNvPicPr>
+          <p:nvPr/>
+        </p:nvPicPr>
+        <p:blipFill>
+          <a:blip r:embed="rId3"/>
+          <a:stretch>
+            <a:fillRect/>
+          </a:stretch>
+        </p:blipFill>
+        <p:spPr>
+          <a:xfrm>
+            <a:off x="1902988" y="0"/>
+            <a:ext cx="8386023" cy="6858000"/>
+          </a:xfrm>
+          <a:prstGeom prst="rect">
+            <a:avLst/>
+          </a:prstGeom>
+        </p:spPr>
+      </p:pic>
+    </p:spTree>
+    <p:extLst>
+      <p:ext uri="{BB962C8B-B14F-4D97-AF65-F5344CB8AC3E}">
+        <p14:creationId xmlns:p14="http://schemas.microsoft.com/office/powerpoint/2010/main" val="3652833006"/>
+      </p:ext>
+    </p:extLst>
+  </p:cSld>
+  <p:clrMapOvr>
+    <a:masterClrMapping/>
+  </p:clrMapOvr>
+</p:sld>
+</file>
+
+<file path=ppt/slides/slide12.xml><?xml version="1.0" encoding="utf-8"?>
+<p:sld xmlns:a="http://schemas.openxmlformats.org/drawingml/2006/main" xmlns:r="http://schemas.openxmlformats.org/officeDocument/2006/relationships" xmlns:p="http://schemas.openxmlformats.org/presentationml/2006/main">
+  <p:cSld>
+    <p:spTree>
+      <p:nvGrpSpPr>
+        <p:cNvPr id="1" name=""/>
+        <p:cNvGrpSpPr/>
+        <p:nvPr/>
+      </p:nvGrpSpPr>
+      <p:grpSpPr>
+        <a:xfrm>
+          <a:off x="0" y="0"/>
+          <a:ext cx="0" cy="0"/>
+          <a:chOff x="0" y="0"/>
+          <a:chExt cx="0" cy="0"/>
+        </a:xfrm>
+      </p:grpSpPr>
+      <p:pic>
+        <p:nvPicPr>
+          <p:cNvPr id="3" name="Picture 2">
+            <a:extLst>
+              <a:ext uri="{FF2B5EF4-FFF2-40B4-BE49-F238E27FC236}">
+                <a16:creationId xmlns:a16="http://schemas.microsoft.com/office/drawing/2014/main" id="{6310722D-20D3-46C7-853D-C4A546FEF4A7}"/>
+              </a:ext>
+            </a:extLst>
+          </p:cNvPr>
+          <p:cNvPicPr>
+            <a:picLocks noChangeAspect="1"/>
+          </p:cNvPicPr>
+          <p:nvPr/>
+        </p:nvPicPr>
+        <p:blipFill>
+          <a:blip r:embed="rId3"/>
+          <a:stretch>
+            <a:fillRect/>
+          </a:stretch>
+        </p:blipFill>
+        <p:spPr>
+          <a:xfrm>
+            <a:off x="2615111" y="0"/>
+            <a:ext cx="6961778" cy="6858000"/>
+          </a:xfrm>
+          <a:prstGeom prst="rect">
+            <a:avLst/>
+          </a:prstGeom>
+        </p:spPr>
+      </p:pic>
+    </p:spTree>
+    <p:extLst>
+      <p:ext uri="{BB962C8B-B14F-4D97-AF65-F5344CB8AC3E}">
+        <p14:creationId xmlns:p14="http://schemas.microsoft.com/office/powerpoint/2010/main" val="2153596546"/>
+      </p:ext>
+    </p:extLst>
+  </p:cSld>
+  <p:clrMapOvr>
+    <a:masterClrMapping/>
+  </p:clrMapOvr>
+</p:sld>
+</file>
+
+<file path=ppt/slides/slide13.xml><?xml version="1.0" encoding="utf-8"?>
+<p:sld xmlns:a="http://schemas.openxmlformats.org/drawingml/2006/main" xmlns:r="http://schemas.openxmlformats.org/officeDocument/2006/relationships" xmlns:p="http://schemas.openxmlformats.org/presentationml/2006/main">
+  <p:cSld>
+    <p:spTree>
+      <p:nvGrpSpPr>
+        <p:cNvPr id="1" name=""/>
+        <p:cNvGrpSpPr/>
+        <p:nvPr/>
+      </p:nvGrpSpPr>
+      <p:grpSpPr>
+        <a:xfrm>
+          <a:off x="0" y="0"/>
+          <a:ext cx="0" cy="0"/>
+          <a:chOff x="0" y="0"/>
+          <a:chExt cx="0" cy="0"/>
+        </a:xfrm>
+      </p:grpSpPr>
+      <p:pic>
+        <p:nvPicPr>
+          <p:cNvPr id="3" name="Picture 2">
+            <a:extLst>
+              <a:ext uri="{FF2B5EF4-FFF2-40B4-BE49-F238E27FC236}">
+                <a16:creationId xmlns:a16="http://schemas.microsoft.com/office/drawing/2014/main" id="{E0718B29-11E1-4E17-BD96-9C23B45C8C66}"/>
+              </a:ext>
+            </a:extLst>
+          </p:cNvPr>
+          <p:cNvPicPr>
+            <a:picLocks noChangeAspect="1"/>
+          </p:cNvPicPr>
+          <p:nvPr/>
+        </p:nvPicPr>
+        <p:blipFill>
+          <a:blip r:embed="rId3"/>
+          <a:stretch>
+            <a:fillRect/>
+          </a:stretch>
+        </p:blipFill>
+        <p:spPr>
+          <a:xfrm>
+            <a:off x="781050" y="533400"/>
+            <a:ext cx="10629900" cy="5791200"/>
+          </a:xfrm>
+          <a:prstGeom prst="rect">
+            <a:avLst/>
+          </a:prstGeom>
+        </p:spPr>
+      </p:pic>
+    </p:spTree>
+    <p:extLst>
+      <p:ext uri="{BB962C8B-B14F-4D97-AF65-F5344CB8AC3E}">
+        <p14:creationId xmlns:p14="http://schemas.microsoft.com/office/powerpoint/2010/main" val="255817783"/>
+      </p:ext>
+    </p:extLst>
+  </p:cSld>
+  <p:clrMapOvr>
+    <a:masterClrMapping/>
+  </p:clrMapOvr>
+</p:sld>
+</file>
+
+<file path=ppt/slides/slide14.xml><?xml version="1.0" encoding="utf-8"?>
+<p:sld xmlns:a="http://schemas.openxmlformats.org/drawingml/2006/main" xmlns:r="http://schemas.openxmlformats.org/officeDocument/2006/relationships" xmlns:p="http://schemas.openxmlformats.org/presentationml/2006/main">
+  <p:cSld>
+    <p:spTree>
+      <p:nvGrpSpPr>
+        <p:cNvPr id="1" name=""/>
+        <p:cNvGrpSpPr/>
+        <p:nvPr/>
+      </p:nvGrpSpPr>
+      <p:grpSpPr>
+        <a:xfrm>
+          <a:off x="0" y="0"/>
+          <a:ext cx="0" cy="0"/>
+          <a:chOff x="0" y="0"/>
+          <a:chExt cx="0" cy="0"/>
+        </a:xfrm>
+      </p:grpSpPr>
+      <p:pic>
+        <p:nvPicPr>
+          <p:cNvPr id="3" name="Picture 2">
+            <a:extLst>
+              <a:ext uri="{FF2B5EF4-FFF2-40B4-BE49-F238E27FC236}">
+                <a16:creationId xmlns:a16="http://schemas.microsoft.com/office/drawing/2014/main" id="{27DE1965-7D09-4639-9D8D-FBE92FE865EA}"/>
+              </a:ext>
+            </a:extLst>
+          </p:cNvPr>
+          <p:cNvPicPr>
+            <a:picLocks noChangeAspect="1"/>
+          </p:cNvPicPr>
+          <p:nvPr/>
+        </p:nvPicPr>
+        <p:blipFill>
+          <a:blip r:embed="rId3"/>
+          <a:stretch>
+            <a:fillRect/>
+          </a:stretch>
+        </p:blipFill>
+        <p:spPr>
+          <a:xfrm>
+            <a:off x="1938717" y="0"/>
+            <a:ext cx="8314566" cy="6858000"/>
+          </a:xfrm>
+          <a:prstGeom prst="rect">
+            <a:avLst/>
+          </a:prstGeom>
+        </p:spPr>
+      </p:pic>
+    </p:spTree>
+    <p:extLst>
+      <p:ext uri="{BB962C8B-B14F-4D97-AF65-F5344CB8AC3E}">
+        <p14:creationId xmlns:p14="http://schemas.microsoft.com/office/powerpoint/2010/main" val="473839806"/>
+      </p:ext>
+    </p:extLst>
+  </p:cSld>
+  <p:clrMapOvr>
+    <a:masterClrMapping/>
+  </p:clrMapOvr>
+</p:sld>
+</file>
+
+<file path=ppt/slides/slide15.xml><?xml version="1.0" encoding="utf-8"?>
 <p:sld xmlns:a="http://schemas.openxmlformats.org/drawingml/2006/main" xmlns:r="http://schemas.openxmlformats.org/officeDocument/2006/relationships" xmlns:p="http://schemas.openxmlformats.org/presentationml/2006/main">
   <p:cSld>
     <p:spTree>
